--- a/_Game_Designer_Info/neglect_game_ppt.pptx
+++ b/_Game_Designer_Info/neglect_game_ppt.pptx
@@ -5,17 +5,18 @@
     <p:sldMasterId id="2147483648" r:id="rId1"/>
   </p:sldMasterIdLst>
   <p:notesMasterIdLst>
-    <p:notesMasterId r:id="rId10"/>
+    <p:notesMasterId r:id="rId11"/>
   </p:notesMasterIdLst>
   <p:sldIdLst>
     <p:sldId id="256" r:id="rId2"/>
     <p:sldId id="257" r:id="rId3"/>
     <p:sldId id="259" r:id="rId4"/>
     <p:sldId id="267" r:id="rId5"/>
-    <p:sldId id="262" r:id="rId6"/>
-    <p:sldId id="263" r:id="rId7"/>
-    <p:sldId id="264" r:id="rId8"/>
-    <p:sldId id="268" r:id="rId9"/>
+    <p:sldId id="269" r:id="rId6"/>
+    <p:sldId id="262" r:id="rId7"/>
+    <p:sldId id="263" r:id="rId8"/>
+    <p:sldId id="264" r:id="rId9"/>
+    <p:sldId id="268" r:id="rId10"/>
   </p:sldIdLst>
   <p:sldSz cx="12192000" cy="6858000"/>
   <p:notesSz cx="6858000" cy="9144000"/>
@@ -120,6 +121,509 @@
     </p:ext>
   </p:extLst>
 </p:presentation>
+</file>
+
+<file path=ppt/revisionInfo.xml><?xml version="1.0" encoding="utf-8"?>
+<p1510:revInfo xmlns:a="http://schemas.openxmlformats.org/drawingml/2006/main" xmlns:r="http://schemas.openxmlformats.org/officeDocument/2006/relationships" xmlns:p1510="http://schemas.microsoft.com/office/powerpoint/2015/10/main">
+  <p1510:revLst>
+    <p1510:client id="{4E5A8BA0-4AC5-455B-8D82-885623544616}" v="47" dt="2025-02-06T09:36:10.936"/>
+  </p1510:revLst>
+</p1510:revInfo>
+</file>
+
+<file path=ppt/changesInfos/changesInfo1.xml><?xml version="1.0" encoding="utf-8"?>
+<pc:chgInfo xmlns:a="http://schemas.openxmlformats.org/drawingml/2006/main" xmlns:r="http://schemas.openxmlformats.org/officeDocument/2006/relationships" xmlns:ac="http://schemas.microsoft.com/office/drawing/2013/main/command" xmlns:pc="http://schemas.microsoft.com/office/powerpoint/2013/main/command">
+  <pc:docChgLst>
+    <pc:chgData name="다훈 심" userId="f94f392a36fa7e26" providerId="LiveId" clId="{4E5A8BA0-4AC5-455B-8D82-885623544616}"/>
+    <pc:docChg chg="undo custSel addSld modSld">
+      <pc:chgData name="다훈 심" userId="f94f392a36fa7e26" providerId="LiveId" clId="{4E5A8BA0-4AC5-455B-8D82-885623544616}" dt="2025-02-06T09:37:23.835" v="361" actId="1035"/>
+      <pc:docMkLst>
+        <pc:docMk/>
+      </pc:docMkLst>
+      <pc:sldChg chg="modSp mod">
+        <pc:chgData name="다훈 심" userId="f94f392a36fa7e26" providerId="LiveId" clId="{4E5A8BA0-4AC5-455B-8D82-885623544616}" dt="2025-02-06T09:36:09.771" v="352" actId="1076"/>
+        <pc:sldMkLst>
+          <pc:docMk/>
+          <pc:sldMk cId="1444029328" sldId="259"/>
+        </pc:sldMkLst>
+        <pc:spChg chg="mod">
+          <ac:chgData name="다훈 심" userId="f94f392a36fa7e26" providerId="LiveId" clId="{4E5A8BA0-4AC5-455B-8D82-885623544616}" dt="2025-02-06T09:36:09.771" v="352" actId="1076"/>
+          <ac:spMkLst>
+            <pc:docMk/>
+            <pc:sldMk cId="1444029328" sldId="259"/>
+            <ac:spMk id="13" creationId="{D6D17861-E712-CF21-051B-0E8E35AE2609}"/>
+          </ac:spMkLst>
+        </pc:spChg>
+        <pc:spChg chg="mod">
+          <ac:chgData name="다훈 심" userId="f94f392a36fa7e26" providerId="LiveId" clId="{4E5A8BA0-4AC5-455B-8D82-885623544616}" dt="2025-02-06T09:31:17.454" v="195" actId="1076"/>
+          <ac:spMkLst>
+            <pc:docMk/>
+            <pc:sldMk cId="1444029328" sldId="259"/>
+            <ac:spMk id="17" creationId="{D7F960A1-ED06-43CF-9460-F9F90CAC842C}"/>
+          </ac:spMkLst>
+        </pc:spChg>
+        <pc:spChg chg="mod">
+          <ac:chgData name="다훈 심" userId="f94f392a36fa7e26" providerId="LiveId" clId="{4E5A8BA0-4AC5-455B-8D82-885623544616}" dt="2025-02-06T09:31:17.454" v="195" actId="1076"/>
+          <ac:spMkLst>
+            <pc:docMk/>
+            <pc:sldMk cId="1444029328" sldId="259"/>
+            <ac:spMk id="21" creationId="{F5DA464F-8D10-9059-A1C9-27354AC72181}"/>
+          </ac:spMkLst>
+        </pc:spChg>
+        <pc:spChg chg="mod">
+          <ac:chgData name="다훈 심" userId="f94f392a36fa7e26" providerId="LiveId" clId="{4E5A8BA0-4AC5-455B-8D82-885623544616}" dt="2025-02-06T09:31:17.454" v="195" actId="1076"/>
+          <ac:spMkLst>
+            <pc:docMk/>
+            <pc:sldMk cId="1444029328" sldId="259"/>
+            <ac:spMk id="23" creationId="{A7A33979-1108-E14E-1E56-AE04A6B528E6}"/>
+          </ac:spMkLst>
+        </pc:spChg>
+        <pc:spChg chg="mod">
+          <ac:chgData name="다훈 심" userId="f94f392a36fa7e26" providerId="LiveId" clId="{4E5A8BA0-4AC5-455B-8D82-885623544616}" dt="2025-02-06T09:31:17.454" v="195" actId="1076"/>
+          <ac:spMkLst>
+            <pc:docMk/>
+            <pc:sldMk cId="1444029328" sldId="259"/>
+            <ac:spMk id="24" creationId="{6CCC8311-B2DC-7D8B-2683-75D803639B8C}"/>
+          </ac:spMkLst>
+        </pc:spChg>
+        <pc:spChg chg="mod">
+          <ac:chgData name="다훈 심" userId="f94f392a36fa7e26" providerId="LiveId" clId="{4E5A8BA0-4AC5-455B-8D82-885623544616}" dt="2025-02-06T09:31:17.454" v="195" actId="1076"/>
+          <ac:spMkLst>
+            <pc:docMk/>
+            <pc:sldMk cId="1444029328" sldId="259"/>
+            <ac:spMk id="27" creationId="{742837A2-8661-F091-C41D-D53FBBF4165D}"/>
+          </ac:spMkLst>
+        </pc:spChg>
+        <pc:spChg chg="mod">
+          <ac:chgData name="다훈 심" userId="f94f392a36fa7e26" providerId="LiveId" clId="{4E5A8BA0-4AC5-455B-8D82-885623544616}" dt="2025-02-06T09:31:17.454" v="195" actId="1076"/>
+          <ac:spMkLst>
+            <pc:docMk/>
+            <pc:sldMk cId="1444029328" sldId="259"/>
+            <ac:spMk id="30" creationId="{764218A7-8718-9DB8-27D8-E06D20EA6EA0}"/>
+          </ac:spMkLst>
+        </pc:spChg>
+        <pc:spChg chg="mod">
+          <ac:chgData name="다훈 심" userId="f94f392a36fa7e26" providerId="LiveId" clId="{4E5A8BA0-4AC5-455B-8D82-885623544616}" dt="2025-02-06T09:31:17.454" v="195" actId="1076"/>
+          <ac:spMkLst>
+            <pc:docMk/>
+            <pc:sldMk cId="1444029328" sldId="259"/>
+            <ac:spMk id="31" creationId="{E3683E9F-1D1B-5EC0-3772-423791F91B95}"/>
+          </ac:spMkLst>
+        </pc:spChg>
+        <pc:spChg chg="mod">
+          <ac:chgData name="다훈 심" userId="f94f392a36fa7e26" providerId="LiveId" clId="{4E5A8BA0-4AC5-455B-8D82-885623544616}" dt="2025-02-06T09:31:17.454" v="195" actId="1076"/>
+          <ac:spMkLst>
+            <pc:docMk/>
+            <pc:sldMk cId="1444029328" sldId="259"/>
+            <ac:spMk id="32" creationId="{F0461890-21F3-DC9E-01D6-CBEA06E422B6}"/>
+          </ac:spMkLst>
+        </pc:spChg>
+        <pc:spChg chg="mod">
+          <ac:chgData name="다훈 심" userId="f94f392a36fa7e26" providerId="LiveId" clId="{4E5A8BA0-4AC5-455B-8D82-885623544616}" dt="2025-02-06T09:31:17.454" v="195" actId="1076"/>
+          <ac:spMkLst>
+            <pc:docMk/>
+            <pc:sldMk cId="1444029328" sldId="259"/>
+            <ac:spMk id="33" creationId="{2CF4EB6F-76BA-88F0-6602-4800ABBDBFCC}"/>
+          </ac:spMkLst>
+        </pc:spChg>
+        <pc:spChg chg="mod">
+          <ac:chgData name="다훈 심" userId="f94f392a36fa7e26" providerId="LiveId" clId="{4E5A8BA0-4AC5-455B-8D82-885623544616}" dt="2025-02-06T09:31:17.454" v="195" actId="1076"/>
+          <ac:spMkLst>
+            <pc:docMk/>
+            <pc:sldMk cId="1444029328" sldId="259"/>
+            <ac:spMk id="35" creationId="{0D755290-FAE6-5271-F57A-1EFB2A062E6A}"/>
+          </ac:spMkLst>
+        </pc:spChg>
+        <pc:cxnChg chg="mod">
+          <ac:chgData name="다훈 심" userId="f94f392a36fa7e26" providerId="LiveId" clId="{4E5A8BA0-4AC5-455B-8D82-885623544616}" dt="2025-02-06T09:36:09.771" v="352" actId="1076"/>
+          <ac:cxnSpMkLst>
+            <pc:docMk/>
+            <pc:sldMk cId="1444029328" sldId="259"/>
+            <ac:cxnSpMk id="22" creationId="{4470F390-BF45-C28C-971D-F65264DED534}"/>
+          </ac:cxnSpMkLst>
+        </pc:cxnChg>
+      </pc:sldChg>
+      <pc:sldChg chg="addSp delSp modSp mod">
+        <pc:chgData name="다훈 심" userId="f94f392a36fa7e26" providerId="LiveId" clId="{4E5A8BA0-4AC5-455B-8D82-885623544616}" dt="2025-02-06T09:35:58.502" v="350"/>
+        <pc:sldMkLst>
+          <pc:docMk/>
+          <pc:sldMk cId="3121054539" sldId="262"/>
+        </pc:sldMkLst>
+        <pc:spChg chg="mod">
+          <ac:chgData name="다훈 심" userId="f94f392a36fa7e26" providerId="LiveId" clId="{4E5A8BA0-4AC5-455B-8D82-885623544616}" dt="2025-02-06T09:32:44.595" v="218"/>
+          <ac:spMkLst>
+            <pc:docMk/>
+            <pc:sldMk cId="3121054539" sldId="262"/>
+            <ac:spMk id="6" creationId="{62E1AFC4-D570-96C5-0143-92105DD29755}"/>
+          </ac:spMkLst>
+        </pc:spChg>
+        <pc:spChg chg="add mod">
+          <ac:chgData name="다훈 심" userId="f94f392a36fa7e26" providerId="LiveId" clId="{4E5A8BA0-4AC5-455B-8D82-885623544616}" dt="2025-02-06T09:35:48.719" v="316"/>
+          <ac:spMkLst>
+            <pc:docMk/>
+            <pc:sldMk cId="3121054539" sldId="262"/>
+            <ac:spMk id="9" creationId="{8ABD9DD9-D62B-850C-D5D5-006DCE059920}"/>
+          </ac:spMkLst>
+        </pc:spChg>
+        <pc:spChg chg="add mod">
+          <ac:chgData name="다훈 심" userId="f94f392a36fa7e26" providerId="LiveId" clId="{4E5A8BA0-4AC5-455B-8D82-885623544616}" dt="2025-02-06T09:35:58.502" v="350"/>
+          <ac:spMkLst>
+            <pc:docMk/>
+            <pc:sldMk cId="3121054539" sldId="262"/>
+            <ac:spMk id="10" creationId="{1DA20B89-E382-4070-ADB7-FD92E5F7CF37}"/>
+          </ac:spMkLst>
+        </pc:spChg>
+        <pc:spChg chg="del">
+          <ac:chgData name="다훈 심" userId="f94f392a36fa7e26" providerId="LiveId" clId="{4E5A8BA0-4AC5-455B-8D82-885623544616}" dt="2025-02-06T09:35:50.244" v="317" actId="478"/>
+          <ac:spMkLst>
+            <pc:docMk/>
+            <pc:sldMk cId="3121054539" sldId="262"/>
+            <ac:spMk id="13" creationId="{41506E30-F3D2-5786-CCC3-2F3B417BE532}"/>
+          </ac:spMkLst>
+        </pc:spChg>
+        <pc:cxnChg chg="mod">
+          <ac:chgData name="다훈 심" userId="f94f392a36fa7e26" providerId="LiveId" clId="{4E5A8BA0-4AC5-455B-8D82-885623544616}" dt="2025-02-06T09:35:55.834" v="335" actId="14100"/>
+          <ac:cxnSpMkLst>
+            <pc:docMk/>
+            <pc:sldMk cId="3121054539" sldId="262"/>
+            <ac:cxnSpMk id="22" creationId="{99699C15-75A9-77DD-9FDD-52DB09F4D8B0}"/>
+          </ac:cxnSpMkLst>
+        </pc:cxnChg>
+      </pc:sldChg>
+      <pc:sldChg chg="addSp delSp modSp mod">
+        <pc:chgData name="다훈 심" userId="f94f392a36fa7e26" providerId="LiveId" clId="{4E5A8BA0-4AC5-455B-8D82-885623544616}" dt="2025-02-06T09:35:13.107" v="315" actId="478"/>
+        <pc:sldMkLst>
+          <pc:docMk/>
+          <pc:sldMk cId="2968902492" sldId="263"/>
+        </pc:sldMkLst>
+        <pc:spChg chg="add del mod">
+          <ac:chgData name="다훈 심" userId="f94f392a36fa7e26" providerId="LiveId" clId="{4E5A8BA0-4AC5-455B-8D82-885623544616}" dt="2025-02-06T09:35:13.107" v="315" actId="478"/>
+          <ac:spMkLst>
+            <pc:docMk/>
+            <pc:sldMk cId="2968902492" sldId="263"/>
+            <ac:spMk id="8" creationId="{24A269CB-D5C9-199F-483D-E42F1A2172B8}"/>
+          </ac:spMkLst>
+        </pc:spChg>
+        <pc:spChg chg="del mod">
+          <ac:chgData name="다훈 심" userId="f94f392a36fa7e26" providerId="LiveId" clId="{4E5A8BA0-4AC5-455B-8D82-885623544616}" dt="2025-02-06T09:34:33.703" v="283" actId="478"/>
+          <ac:spMkLst>
+            <pc:docMk/>
+            <pc:sldMk cId="2968902492" sldId="263"/>
+            <ac:spMk id="11" creationId="{3968ED40-7D8B-A473-0D29-83614AC8A4A4}"/>
+          </ac:spMkLst>
+        </pc:spChg>
+        <pc:spChg chg="add del mod">
+          <ac:chgData name="다훈 심" userId="f94f392a36fa7e26" providerId="LiveId" clId="{4E5A8BA0-4AC5-455B-8D82-885623544616}" dt="2025-02-06T09:35:13.107" v="315" actId="478"/>
+          <ac:spMkLst>
+            <pc:docMk/>
+            <pc:sldMk cId="2968902492" sldId="263"/>
+            <ac:spMk id="14" creationId="{A0DC01B1-1AFA-CB6A-02ED-F539ABA84E98}"/>
+          </ac:spMkLst>
+        </pc:spChg>
+        <pc:spChg chg="add mod">
+          <ac:chgData name="다훈 심" userId="f94f392a36fa7e26" providerId="LiveId" clId="{4E5A8BA0-4AC5-455B-8D82-885623544616}" dt="2025-02-06T09:34:43.144" v="284" actId="1076"/>
+          <ac:spMkLst>
+            <pc:docMk/>
+            <pc:sldMk cId="2968902492" sldId="263"/>
+            <ac:spMk id="15" creationId="{B154C77A-49A8-4D48-E95A-B32960FF3A5C}"/>
+          </ac:spMkLst>
+        </pc:spChg>
+        <pc:spChg chg="del">
+          <ac:chgData name="다훈 심" userId="f94f392a36fa7e26" providerId="LiveId" clId="{4E5A8BA0-4AC5-455B-8D82-885623544616}" dt="2025-02-06T09:35:05.136" v="290" actId="478"/>
+          <ac:spMkLst>
+            <pc:docMk/>
+            <pc:sldMk cId="2968902492" sldId="263"/>
+            <ac:spMk id="19" creationId="{CAE61482-6D6B-0CAF-78EF-E871A7F7F412}"/>
+          </ac:spMkLst>
+        </pc:spChg>
+        <pc:spChg chg="del">
+          <ac:chgData name="다훈 심" userId="f94f392a36fa7e26" providerId="LiveId" clId="{4E5A8BA0-4AC5-455B-8D82-885623544616}" dt="2025-02-06T09:35:04.452" v="289" actId="478"/>
+          <ac:spMkLst>
+            <pc:docMk/>
+            <pc:sldMk cId="2968902492" sldId="263"/>
+            <ac:spMk id="20" creationId="{93E01D6D-02B0-5A53-0013-023F20698D9C}"/>
+          </ac:spMkLst>
+        </pc:spChg>
+        <pc:spChg chg="del">
+          <ac:chgData name="다훈 심" userId="f94f392a36fa7e26" providerId="LiveId" clId="{4E5A8BA0-4AC5-455B-8D82-885623544616}" dt="2025-02-06T09:35:11.595" v="314" actId="478"/>
+          <ac:spMkLst>
+            <pc:docMk/>
+            <pc:sldMk cId="2968902492" sldId="263"/>
+            <ac:spMk id="28" creationId="{C883064F-33BD-6622-7F83-6F5333EC0B88}"/>
+          </ac:spMkLst>
+        </pc:spChg>
+        <pc:spChg chg="mod">
+          <ac:chgData name="다훈 심" userId="f94f392a36fa7e26" providerId="LiveId" clId="{4E5A8BA0-4AC5-455B-8D82-885623544616}" dt="2025-02-06T09:34:50.201" v="286" actId="1076"/>
+          <ac:spMkLst>
+            <pc:docMk/>
+            <pc:sldMk cId="2968902492" sldId="263"/>
+            <ac:spMk id="29" creationId="{FA0F6741-56B1-1770-87F9-C0EEE9915F61}"/>
+          </ac:spMkLst>
+        </pc:spChg>
+        <pc:spChg chg="mod">
+          <ac:chgData name="다훈 심" userId="f94f392a36fa7e26" providerId="LiveId" clId="{4E5A8BA0-4AC5-455B-8D82-885623544616}" dt="2025-02-06T09:35:10.445" v="313"/>
+          <ac:spMkLst>
+            <pc:docMk/>
+            <pc:sldMk cId="2968902492" sldId="263"/>
+            <ac:spMk id="46" creationId="{D89DD003-3F89-9888-0863-4FACAC1A4A13}"/>
+          </ac:spMkLst>
+        </pc:spChg>
+        <pc:spChg chg="del">
+          <ac:chgData name="다훈 심" userId="f94f392a36fa7e26" providerId="LiveId" clId="{4E5A8BA0-4AC5-455B-8D82-885623544616}" dt="2025-02-06T09:35:11.595" v="314" actId="478"/>
+          <ac:spMkLst>
+            <pc:docMk/>
+            <pc:sldMk cId="2968902492" sldId="263"/>
+            <ac:spMk id="52" creationId="{1C148B7F-B88C-7427-88A4-6527B4143EEF}"/>
+          </ac:spMkLst>
+        </pc:spChg>
+        <pc:cxnChg chg="mod">
+          <ac:chgData name="다훈 심" userId="f94f392a36fa7e26" providerId="LiveId" clId="{4E5A8BA0-4AC5-455B-8D82-885623544616}" dt="2025-02-06T09:34:45.731" v="285" actId="14100"/>
+          <ac:cxnSpMkLst>
+            <pc:docMk/>
+            <pc:sldMk cId="2968902492" sldId="263"/>
+            <ac:cxnSpMk id="2" creationId="{FD7EF67C-B562-E55F-F7B3-B6C8A267C877}"/>
+          </ac:cxnSpMkLst>
+        </pc:cxnChg>
+        <pc:cxnChg chg="mod">
+          <ac:chgData name="다훈 심" userId="f94f392a36fa7e26" providerId="LiveId" clId="{4E5A8BA0-4AC5-455B-8D82-885623544616}" dt="2025-02-06T09:34:52.262" v="287" actId="14100"/>
+          <ac:cxnSpMkLst>
+            <pc:docMk/>
+            <pc:sldMk cId="2968902492" sldId="263"/>
+            <ac:cxnSpMk id="36" creationId="{9C6B668A-4087-4C6E-2B3D-037199FB29F6}"/>
+          </ac:cxnSpMkLst>
+        </pc:cxnChg>
+        <pc:cxnChg chg="del mod">
+          <ac:chgData name="다훈 심" userId="f94f392a36fa7e26" providerId="LiveId" clId="{4E5A8BA0-4AC5-455B-8D82-885623544616}" dt="2025-02-06T09:35:11.595" v="314" actId="478"/>
+          <ac:cxnSpMkLst>
+            <pc:docMk/>
+            <pc:sldMk cId="2968902492" sldId="263"/>
+            <ac:cxnSpMk id="39" creationId="{96554F39-6988-6C88-259F-69259624C3E3}"/>
+          </ac:cxnSpMkLst>
+        </pc:cxnChg>
+        <pc:cxnChg chg="mod">
+          <ac:chgData name="다훈 심" userId="f94f392a36fa7e26" providerId="LiveId" clId="{4E5A8BA0-4AC5-455B-8D82-885623544616}" dt="2025-02-06T09:35:00.982" v="288" actId="1076"/>
+          <ac:cxnSpMkLst>
+            <pc:docMk/>
+            <pc:sldMk cId="2968902492" sldId="263"/>
+            <ac:cxnSpMk id="47" creationId="{AA485386-4A6D-8D33-8747-92D957F6B121}"/>
+          </ac:cxnSpMkLst>
+        </pc:cxnChg>
+        <pc:cxnChg chg="del mod">
+          <ac:chgData name="다훈 심" userId="f94f392a36fa7e26" providerId="LiveId" clId="{4E5A8BA0-4AC5-455B-8D82-885623544616}" dt="2025-02-06T09:35:11.595" v="314" actId="478"/>
+          <ac:cxnSpMkLst>
+            <pc:docMk/>
+            <pc:sldMk cId="2968902492" sldId="263"/>
+            <ac:cxnSpMk id="50" creationId="{9ADCE7BD-9316-4D2C-5781-F691E035358B}"/>
+          </ac:cxnSpMkLst>
+        </pc:cxnChg>
+      </pc:sldChg>
+      <pc:sldChg chg="addSp delSp modSp mod">
+        <pc:chgData name="다훈 심" userId="f94f392a36fa7e26" providerId="LiveId" clId="{4E5A8BA0-4AC5-455B-8D82-885623544616}" dt="2025-02-03T10:48:27.715" v="193" actId="20577"/>
+        <pc:sldMkLst>
+          <pc:docMk/>
+          <pc:sldMk cId="2758635900" sldId="264"/>
+        </pc:sldMkLst>
+        <pc:spChg chg="add mod">
+          <ac:chgData name="다훈 심" userId="f94f392a36fa7e26" providerId="LiveId" clId="{4E5A8BA0-4AC5-455B-8D82-885623544616}" dt="2025-02-03T09:31:18.154" v="92"/>
+          <ac:spMkLst>
+            <pc:docMk/>
+            <pc:sldMk cId="2758635900" sldId="264"/>
+            <ac:spMk id="5" creationId="{A4311D17-BF9D-4340-6324-FF2530D6F4AE}"/>
+          </ac:spMkLst>
+        </pc:spChg>
+        <pc:spChg chg="mod">
+          <ac:chgData name="다훈 심" userId="f94f392a36fa7e26" providerId="LiveId" clId="{4E5A8BA0-4AC5-455B-8D82-885623544616}" dt="2025-02-03T10:48:27.715" v="193" actId="20577"/>
+          <ac:spMkLst>
+            <pc:docMk/>
+            <pc:sldMk cId="2758635900" sldId="264"/>
+            <ac:spMk id="51" creationId="{B26427C4-21A7-B450-EDC9-2A7AD77A27A9}"/>
+          </ac:spMkLst>
+        </pc:spChg>
+        <pc:cxnChg chg="add mod">
+          <ac:chgData name="다훈 심" userId="f94f392a36fa7e26" providerId="LiveId" clId="{4E5A8BA0-4AC5-455B-8D82-885623544616}" dt="2025-02-03T09:31:49.814" v="104" actId="14100"/>
+          <ac:cxnSpMkLst>
+            <pc:docMk/>
+            <pc:sldMk cId="2758635900" sldId="264"/>
+            <ac:cxnSpMk id="10" creationId="{1BBB2749-E3E9-2159-9C91-03A066A3BB9E}"/>
+          </ac:cxnSpMkLst>
+        </pc:cxnChg>
+        <pc:cxnChg chg="mod">
+          <ac:chgData name="다훈 심" userId="f94f392a36fa7e26" providerId="LiveId" clId="{4E5A8BA0-4AC5-455B-8D82-885623544616}" dt="2025-02-03T09:31:26.375" v="95" actId="14100"/>
+          <ac:cxnSpMkLst>
+            <pc:docMk/>
+            <pc:sldMk cId="2758635900" sldId="264"/>
+            <ac:cxnSpMk id="62" creationId="{5065EA66-A2E1-881D-FF20-D63CAFBB3450}"/>
+          </ac:cxnSpMkLst>
+        </pc:cxnChg>
+        <pc:cxnChg chg="mod">
+          <ac:chgData name="다훈 심" userId="f94f392a36fa7e26" providerId="LiveId" clId="{4E5A8BA0-4AC5-455B-8D82-885623544616}" dt="2025-02-03T09:31:22.037" v="94" actId="14100"/>
+          <ac:cxnSpMkLst>
+            <pc:docMk/>
+            <pc:sldMk cId="2758635900" sldId="264"/>
+            <ac:cxnSpMk id="185" creationId="{879475C1-2B9D-3937-3DE7-B3EA583A0ACE}"/>
+          </ac:cxnSpMkLst>
+        </pc:cxnChg>
+        <pc:cxnChg chg="mod">
+          <ac:chgData name="다훈 심" userId="f94f392a36fa7e26" providerId="LiveId" clId="{4E5A8BA0-4AC5-455B-8D82-885623544616}" dt="2025-02-03T09:31:20.249" v="93" actId="14100"/>
+          <ac:cxnSpMkLst>
+            <pc:docMk/>
+            <pc:sldMk cId="2758635900" sldId="264"/>
+            <ac:cxnSpMk id="188" creationId="{E5BC5BD5-4C23-7A20-37AD-86ECAC1AC28F}"/>
+          </ac:cxnSpMkLst>
+        </pc:cxnChg>
+      </pc:sldChg>
+      <pc:sldChg chg="addSp delSp modSp mod">
+        <pc:chgData name="다훈 심" userId="f94f392a36fa7e26" providerId="LiveId" clId="{4E5A8BA0-4AC5-455B-8D82-885623544616}" dt="2025-02-06T09:36:16.424" v="356" actId="478"/>
+        <pc:sldMkLst>
+          <pc:docMk/>
+          <pc:sldMk cId="2811831739" sldId="267"/>
+        </pc:sldMkLst>
+        <pc:spChg chg="add mod">
+          <ac:chgData name="다훈 심" userId="f94f392a36fa7e26" providerId="LiveId" clId="{4E5A8BA0-4AC5-455B-8D82-885623544616}" dt="2025-02-03T10:42:06.211" v="138"/>
+          <ac:spMkLst>
+            <pc:docMk/>
+            <pc:sldMk cId="2811831739" sldId="267"/>
+            <ac:spMk id="9" creationId="{10F61BD9-E2EB-B485-72B4-E4F09EAF1CBD}"/>
+          </ac:spMkLst>
+        </pc:spChg>
+        <pc:spChg chg="add mod">
+          <ac:chgData name="다훈 심" userId="f94f392a36fa7e26" providerId="LiveId" clId="{4E5A8BA0-4AC5-455B-8D82-885623544616}" dt="2025-02-03T10:42:25.398" v="164"/>
+          <ac:spMkLst>
+            <pc:docMk/>
+            <pc:sldMk cId="2811831739" sldId="267"/>
+            <ac:spMk id="11" creationId="{228DF18B-2754-0CCD-84A2-A1E9E6C93996}"/>
+          </ac:spMkLst>
+        </pc:spChg>
+        <pc:spChg chg="mod">
+          <ac:chgData name="다훈 심" userId="f94f392a36fa7e26" providerId="LiveId" clId="{4E5A8BA0-4AC5-455B-8D82-885623544616}" dt="2025-02-03T10:41:20.978" v="110" actId="1076"/>
+          <ac:spMkLst>
+            <pc:docMk/>
+            <pc:sldMk cId="2811831739" sldId="267"/>
+            <ac:spMk id="19" creationId="{642D1845-ECE2-E25A-1990-33BDF03FF752}"/>
+          </ac:spMkLst>
+        </pc:spChg>
+        <pc:spChg chg="add del mod">
+          <ac:chgData name="다훈 심" userId="f94f392a36fa7e26" providerId="LiveId" clId="{4E5A8BA0-4AC5-455B-8D82-885623544616}" dt="2025-02-06T09:36:16.424" v="356" actId="478"/>
+          <ac:spMkLst>
+            <pc:docMk/>
+            <pc:sldMk cId="2811831739" sldId="267"/>
+            <ac:spMk id="21" creationId="{AF5F5AF1-609D-3DCF-62A9-258B66092F4B}"/>
+          </ac:spMkLst>
+        </pc:spChg>
+        <pc:cxnChg chg="add mod">
+          <ac:chgData name="다훈 심" userId="f94f392a36fa7e26" providerId="LiveId" clId="{4E5A8BA0-4AC5-455B-8D82-885623544616}" dt="2025-02-06T09:36:15.065" v="355" actId="14100"/>
+          <ac:cxnSpMkLst>
+            <pc:docMk/>
+            <pc:sldMk cId="2811831739" sldId="267"/>
+            <ac:cxnSpMk id="14" creationId="{A2D8950D-7989-50AB-4789-894832C27D44}"/>
+          </ac:cxnSpMkLst>
+        </pc:cxnChg>
+        <pc:cxnChg chg="add mod">
+          <ac:chgData name="다훈 심" userId="f94f392a36fa7e26" providerId="LiveId" clId="{4E5A8BA0-4AC5-455B-8D82-885623544616}" dt="2025-02-03T10:41:37.717" v="115" actId="14100"/>
+          <ac:cxnSpMkLst>
+            <pc:docMk/>
+            <pc:sldMk cId="2811831739" sldId="267"/>
+            <ac:cxnSpMk id="15" creationId="{9E6E00AA-7F36-4D50-D56A-A94DCFD57F82}"/>
+          </ac:cxnSpMkLst>
+        </pc:cxnChg>
+        <pc:cxnChg chg="mod">
+          <ac:chgData name="다훈 심" userId="f94f392a36fa7e26" providerId="LiveId" clId="{4E5A8BA0-4AC5-455B-8D82-885623544616}" dt="2025-02-03T10:41:17.796" v="109" actId="14100"/>
+          <ac:cxnSpMkLst>
+            <pc:docMk/>
+            <pc:sldMk cId="2811831739" sldId="267"/>
+            <ac:cxnSpMk id="20" creationId="{3ED04ED2-85C2-9C58-1034-46CED2D51D7E}"/>
+          </ac:cxnSpMkLst>
+        </pc:cxnChg>
+      </pc:sldChg>
+      <pc:sldChg chg="modSp mod">
+        <pc:chgData name="다훈 심" userId="f94f392a36fa7e26" providerId="LiveId" clId="{4E5A8BA0-4AC5-455B-8D82-885623544616}" dt="2025-02-06T09:37:23.835" v="361" actId="1035"/>
+        <pc:sldMkLst>
+          <pc:docMk/>
+          <pc:sldMk cId="2277579809" sldId="268"/>
+        </pc:sldMkLst>
+        <pc:spChg chg="mod">
+          <ac:chgData name="다훈 심" userId="f94f392a36fa7e26" providerId="LiveId" clId="{4E5A8BA0-4AC5-455B-8D82-885623544616}" dt="2025-02-06T09:37:23.835" v="361" actId="1035"/>
+          <ac:spMkLst>
+            <pc:docMk/>
+            <pc:sldMk cId="2277579809" sldId="268"/>
+            <ac:spMk id="133" creationId="{3D66CE30-82D1-7DA2-4EA8-4154FE484009}"/>
+          </ac:spMkLst>
+        </pc:spChg>
+      </pc:sldChg>
+      <pc:sldChg chg="addSp delSp modSp add mod">
+        <pc:chgData name="다훈 심" userId="f94f392a36fa7e26" providerId="LiveId" clId="{4E5A8BA0-4AC5-455B-8D82-885623544616}" dt="2025-02-06T09:32:23.823" v="203" actId="208"/>
+        <pc:sldMkLst>
+          <pc:docMk/>
+          <pc:sldMk cId="2494656522" sldId="269"/>
+        </pc:sldMkLst>
+        <pc:spChg chg="mod">
+          <ac:chgData name="다훈 심" userId="f94f392a36fa7e26" providerId="LiveId" clId="{4E5A8BA0-4AC5-455B-8D82-885623544616}" dt="2025-02-06T09:32:18.122" v="202" actId="20577"/>
+          <ac:spMkLst>
+            <pc:docMk/>
+            <pc:sldMk cId="2494656522" sldId="269"/>
+            <ac:spMk id="5" creationId="{BAFA9BC5-820A-7FC9-2BF2-2B9E3ED25232}"/>
+          </ac:spMkLst>
+        </pc:spChg>
+        <pc:spChg chg="mod">
+          <ac:chgData name="다훈 심" userId="f94f392a36fa7e26" providerId="LiveId" clId="{4E5A8BA0-4AC5-455B-8D82-885623544616}" dt="2025-02-03T10:42:29.406" v="180"/>
+          <ac:spMkLst>
+            <pc:docMk/>
+            <pc:sldMk cId="2494656522" sldId="269"/>
+            <ac:spMk id="6" creationId="{CAAA536E-087F-F402-B102-EAD5D489D318}"/>
+          </ac:spMkLst>
+        </pc:spChg>
+        <pc:spChg chg="mod">
+          <ac:chgData name="다훈 심" userId="f94f392a36fa7e26" providerId="LiveId" clId="{4E5A8BA0-4AC5-455B-8D82-885623544616}" dt="2025-02-03T10:42:10.444" v="146"/>
+          <ac:spMkLst>
+            <pc:docMk/>
+            <pc:sldMk cId="2494656522" sldId="269"/>
+            <ac:spMk id="9" creationId="{10F61BD9-E2EB-B485-72B4-E4F09EAF1CBD}"/>
+          </ac:spMkLst>
+        </pc:spChg>
+        <pc:spChg chg="mod">
+          <ac:chgData name="다훈 심" userId="f94f392a36fa7e26" providerId="LiveId" clId="{4E5A8BA0-4AC5-455B-8D82-885623544616}" dt="2025-02-03T10:42:21.704" v="155"/>
+          <ac:spMkLst>
+            <pc:docMk/>
+            <pc:sldMk cId="2494656522" sldId="269"/>
+            <ac:spMk id="11" creationId="{228DF18B-2754-0CCD-84A2-A1E9E6C93996}"/>
+          </ac:spMkLst>
+        </pc:spChg>
+        <pc:picChg chg="del">
+          <ac:chgData name="다훈 심" userId="f94f392a36fa7e26" providerId="LiveId" clId="{4E5A8BA0-4AC5-455B-8D82-885623544616}" dt="2025-02-06T09:32:08.131" v="196" actId="478"/>
+          <ac:picMkLst>
+            <pc:docMk/>
+            <pc:sldMk cId="2494656522" sldId="269"/>
+            <ac:picMk id="2" creationId="{CB1A2E0B-CF59-766C-7D95-F68E340BED7C}"/>
+          </ac:picMkLst>
+        </pc:picChg>
+        <pc:picChg chg="add mod">
+          <ac:chgData name="다훈 심" userId="f94f392a36fa7e26" providerId="LiveId" clId="{4E5A8BA0-4AC5-455B-8D82-885623544616}" dt="2025-02-06T09:32:23.823" v="203" actId="208"/>
+          <ac:picMkLst>
+            <pc:docMk/>
+            <pc:sldMk cId="2494656522" sldId="269"/>
+            <ac:picMk id="8" creationId="{01B12A1C-93D1-D63F-0953-B4ADD99561C3}"/>
+          </ac:picMkLst>
+        </pc:picChg>
+        <pc:cxnChg chg="mod">
+          <ac:chgData name="다훈 심" userId="f94f392a36fa7e26" providerId="LiveId" clId="{4E5A8BA0-4AC5-455B-8D82-885623544616}" dt="2025-02-03T10:48:10.535" v="181" actId="13822"/>
+          <ac:cxnSpMkLst>
+            <pc:docMk/>
+            <pc:sldMk cId="2494656522" sldId="269"/>
+            <ac:cxnSpMk id="14" creationId="{A2D8950D-7989-50AB-4789-894832C27D44}"/>
+          </ac:cxnSpMkLst>
+        </pc:cxnChg>
+        <pc:cxnChg chg="mod">
+          <ac:chgData name="다훈 심" userId="f94f392a36fa7e26" providerId="LiveId" clId="{4E5A8BA0-4AC5-455B-8D82-885623544616}" dt="2025-02-03T10:48:12.379" v="182" actId="208"/>
+          <ac:cxnSpMkLst>
+            <pc:docMk/>
+            <pc:sldMk cId="2494656522" sldId="269"/>
+            <ac:cxnSpMk id="15" creationId="{9E6E00AA-7F36-4D50-D56A-A94DCFD57F82}"/>
+          </ac:cxnSpMkLst>
+        </pc:cxnChg>
+      </pc:sldChg>
+    </pc:docChg>
+  </pc:docChgLst>
+</pc:chgInfo>
 </file>
 
 <file path=ppt/notesMasters/notesMaster1.xml><?xml version="1.0" encoding="utf-8"?>
@@ -6779,7 +7283,7 @@
         </p:nvSpPr>
         <p:spPr>
           <a:xfrm>
-            <a:off x="5413183" y="2224711"/>
+            <a:off x="3811832" y="2556459"/>
             <a:ext cx="1365635" cy="663876"/>
           </a:xfrm>
           <a:prstGeom prst="rect">
@@ -6826,16 +7330,203 @@
           <p:cNvCxnSpPr>
             <a:cxnSpLocks/>
             <a:stCxn id="17" idx="2"/>
+            <a:endCxn id="9" idx="0"/>
+          </p:cNvCxnSpPr>
+          <p:nvPr/>
+        </p:nvCxnSpPr>
+        <p:spPr>
+          <a:xfrm>
+            <a:off x="6096001" y="1637194"/>
+            <a:ext cx="0" cy="226958"/>
+          </a:xfrm>
+          <a:prstGeom prst="straightConnector1">
+            <a:avLst/>
+          </a:prstGeom>
+          <a:ln>
+            <a:tailEnd type="triangle"/>
+          </a:ln>
+        </p:spPr>
+        <p:style>
+          <a:lnRef idx="2">
+            <a:schemeClr val="accent1"/>
+          </a:lnRef>
+          <a:fillRef idx="0">
+            <a:schemeClr val="accent1"/>
+          </a:fillRef>
+          <a:effectRef idx="1">
+            <a:schemeClr val="accent1"/>
+          </a:effectRef>
+          <a:fontRef idx="minor">
+            <a:schemeClr val="tx1"/>
+          </a:fontRef>
+        </p:style>
+      </p:cxnSp>
+      <p:sp>
+        <p:nvSpPr>
+          <p:cNvPr id="9" name="직사각형 8">
+            <a:extLst>
+              <a:ext uri="{FF2B5EF4-FFF2-40B4-BE49-F238E27FC236}">
+                <a16:creationId xmlns:a16="http://schemas.microsoft.com/office/drawing/2014/main" id="{10F61BD9-E2EB-B485-72B4-E4F09EAF1CBD}"/>
+              </a:ext>
+            </a:extLst>
+          </p:cNvPr>
+          <p:cNvSpPr/>
+          <p:nvPr/>
+        </p:nvSpPr>
+        <p:spPr>
+          <a:xfrm>
+            <a:off x="5413183" y="1864152"/>
+            <a:ext cx="1365635" cy="663876"/>
+          </a:xfrm>
+          <a:prstGeom prst="rect">
+            <a:avLst/>
+          </a:prstGeom>
+        </p:spPr>
+        <p:style>
+          <a:lnRef idx="2">
+            <a:schemeClr val="accent1">
+              <a:shade val="15000"/>
+            </a:schemeClr>
+          </a:lnRef>
+          <a:fillRef idx="1">
+            <a:schemeClr val="accent1"/>
+          </a:fillRef>
+          <a:effectRef idx="0">
+            <a:schemeClr val="accent1"/>
+          </a:effectRef>
+          <a:fontRef idx="minor">
+            <a:schemeClr val="lt1"/>
+          </a:fontRef>
+        </p:style>
+        <p:txBody>
+          <a:bodyPr rtlCol="0" anchor="ctr"/>
+          <a:lstStyle/>
+          <a:p>
+            <a:pPr algn="ctr"/>
+            <a:r>
+              <a:rPr lang="ko-KR" altLang="en-US" sz="1200" dirty="0"/>
+              <a:t>정비</a:t>
+            </a:r>
+          </a:p>
+        </p:txBody>
+      </p:sp>
+      <p:sp>
+        <p:nvSpPr>
+          <p:cNvPr id="11" name="직사각형 10">
+            <a:extLst>
+              <a:ext uri="{FF2B5EF4-FFF2-40B4-BE49-F238E27FC236}">
+                <a16:creationId xmlns:a16="http://schemas.microsoft.com/office/drawing/2014/main" id="{228DF18B-2754-0CCD-84A2-A1E9E6C93996}"/>
+              </a:ext>
+            </a:extLst>
+          </p:cNvPr>
+          <p:cNvSpPr/>
+          <p:nvPr/>
+        </p:nvSpPr>
+        <p:spPr>
+          <a:xfrm>
+            <a:off x="7014535" y="2556459"/>
+            <a:ext cx="1365635" cy="663876"/>
+          </a:xfrm>
+          <a:prstGeom prst="rect">
+            <a:avLst/>
+          </a:prstGeom>
+        </p:spPr>
+        <p:style>
+          <a:lnRef idx="2">
+            <a:schemeClr val="accent1">
+              <a:shade val="15000"/>
+            </a:schemeClr>
+          </a:lnRef>
+          <a:fillRef idx="1">
+            <a:schemeClr val="accent1"/>
+          </a:fillRef>
+          <a:effectRef idx="0">
+            <a:schemeClr val="accent1"/>
+          </a:effectRef>
+          <a:fontRef idx="minor">
+            <a:schemeClr val="lt1"/>
+          </a:fontRef>
+        </p:style>
+        <p:txBody>
+          <a:bodyPr rtlCol="0" anchor="ctr"/>
+          <a:lstStyle/>
+          <a:p>
+            <a:pPr algn="ctr"/>
+            <a:r>
+              <a:rPr lang="ko-KR" altLang="en-US" sz="1200" dirty="0"/>
+              <a:t>단련</a:t>
+            </a:r>
+          </a:p>
+        </p:txBody>
+      </p:sp>
+      <p:cxnSp>
+        <p:nvCxnSpPr>
+          <p:cNvPr id="14" name="연결선: 꺾임 13">
+            <a:extLst>
+              <a:ext uri="{FF2B5EF4-FFF2-40B4-BE49-F238E27FC236}">
+                <a16:creationId xmlns:a16="http://schemas.microsoft.com/office/drawing/2014/main" id="{A2D8950D-7989-50AB-4789-894832C27D44}"/>
+              </a:ext>
+            </a:extLst>
+          </p:cNvPr>
+          <p:cNvCxnSpPr>
+            <a:cxnSpLocks/>
+            <a:stCxn id="9" idx="1"/>
             <a:endCxn id="19" idx="0"/>
           </p:cNvCxnSpPr>
           <p:nvPr/>
         </p:nvCxnSpPr>
         <p:spPr>
-          <a:xfrm>
-            <a:off x="6096001" y="1637194"/>
-            <a:ext cx="0" cy="587517"/>
-          </a:xfrm>
-          <a:prstGeom prst="straightConnector1">
+          <a:xfrm rot="10800000" flipV="1">
+            <a:off x="4494651" y="2196089"/>
+            <a:ext cx="918533" cy="360369"/>
+          </a:xfrm>
+          <a:prstGeom prst="bentConnector2">
+            <a:avLst/>
+          </a:prstGeom>
+          <a:ln>
+            <a:solidFill>
+              <a:srgbClr val="FF0000"/>
+            </a:solidFill>
+            <a:tailEnd type="triangle"/>
+          </a:ln>
+        </p:spPr>
+        <p:style>
+          <a:lnRef idx="2">
+            <a:schemeClr val="accent1"/>
+          </a:lnRef>
+          <a:fillRef idx="0">
+            <a:schemeClr val="accent1"/>
+          </a:fillRef>
+          <a:effectRef idx="1">
+            <a:schemeClr val="accent1"/>
+          </a:effectRef>
+          <a:fontRef idx="minor">
+            <a:schemeClr val="tx1"/>
+          </a:fontRef>
+        </p:style>
+      </p:cxnSp>
+      <p:cxnSp>
+        <p:nvCxnSpPr>
+          <p:cNvPr id="15" name="연결선: 꺾임 14">
+            <a:extLst>
+              <a:ext uri="{FF2B5EF4-FFF2-40B4-BE49-F238E27FC236}">
+                <a16:creationId xmlns:a16="http://schemas.microsoft.com/office/drawing/2014/main" id="{9E6E00AA-7F36-4D50-D56A-A94DCFD57F82}"/>
+              </a:ext>
+            </a:extLst>
+          </p:cNvPr>
+          <p:cNvCxnSpPr>
+            <a:cxnSpLocks/>
+            <a:stCxn id="9" idx="3"/>
+            <a:endCxn id="11" idx="0"/>
+          </p:cNvCxnSpPr>
+          <p:nvPr/>
+        </p:nvCxnSpPr>
+        <p:spPr>
+          <a:xfrm>
+            <a:off x="6778818" y="2196090"/>
+            <a:ext cx="918535" cy="360369"/>
+          </a:xfrm>
+          <a:prstGeom prst="bentConnector2">
             <a:avLst/>
           </a:prstGeom>
           <a:ln>
@@ -6878,6 +7569,726 @@
         <p:cNvPr id="1" name="">
           <a:extLst>
             <a:ext uri="{FF2B5EF4-FFF2-40B4-BE49-F238E27FC236}">
+              <a16:creationId xmlns:a16="http://schemas.microsoft.com/office/drawing/2014/main" id="{4A865424-DA2C-B40E-76F8-F0C681F367D7}"/>
+            </a:ext>
+          </a:extLst>
+        </p:cNvPr>
+        <p:cNvGrpSpPr/>
+        <p:nvPr/>
+      </p:nvGrpSpPr>
+      <p:grpSpPr>
+        <a:xfrm>
+          <a:off x="0" y="0"/>
+          <a:ext cx="0" cy="0"/>
+          <a:chOff x="0" y="0"/>
+          <a:chExt cx="0" cy="0"/>
+        </a:xfrm>
+      </p:grpSpPr>
+      <p:sp>
+        <p:nvSpPr>
+          <p:cNvPr id="6" name="직사각형 5">
+            <a:extLst>
+              <a:ext uri="{FF2B5EF4-FFF2-40B4-BE49-F238E27FC236}">
+                <a16:creationId xmlns:a16="http://schemas.microsoft.com/office/drawing/2014/main" id="{CAAA536E-087F-F402-B102-EAD5D489D318}"/>
+              </a:ext>
+            </a:extLst>
+          </p:cNvPr>
+          <p:cNvSpPr/>
+          <p:nvPr/>
+        </p:nvSpPr>
+        <p:spPr>
+          <a:xfrm>
+            <a:off x="0" y="-21771"/>
+            <a:ext cx="1648996" cy="801627"/>
+          </a:xfrm>
+          <a:prstGeom prst="rect">
+            <a:avLst/>
+          </a:prstGeom>
+          <a:noFill/>
+          <a:ln>
+            <a:noFill/>
+          </a:ln>
+        </p:spPr>
+        <p:style>
+          <a:lnRef idx="2">
+            <a:schemeClr val="accent1">
+              <a:shade val="15000"/>
+            </a:schemeClr>
+          </a:lnRef>
+          <a:fillRef idx="1">
+            <a:schemeClr val="accent1"/>
+          </a:fillRef>
+          <a:effectRef idx="0">
+            <a:schemeClr val="accent1"/>
+          </a:effectRef>
+          <a:fontRef idx="minor">
+            <a:schemeClr val="lt1"/>
+          </a:fontRef>
+        </p:style>
+        <p:txBody>
+          <a:bodyPr rtlCol="0" anchor="ctr"/>
+          <a:lstStyle/>
+          <a:p>
+            <a:pPr algn="ctr"/>
+            <a:r>
+              <a:rPr lang="ko-KR" altLang="en-US" dirty="0">
+                <a:solidFill>
+                  <a:sysClr val="windowText" lastClr="000000"/>
+                </a:solidFill>
+              </a:rPr>
+              <a:t>기본 플로우 </a:t>
+            </a:r>
+            <a:r>
+              <a:rPr lang="en-US" altLang="ko-KR" dirty="0">
+                <a:solidFill>
+                  <a:sysClr val="windowText" lastClr="000000"/>
+                </a:solidFill>
+              </a:rPr>
+              <a:t>–</a:t>
+            </a:r>
+            <a:r>
+              <a:rPr lang="ko-KR" altLang="en-US" dirty="0">
+                <a:solidFill>
+                  <a:sysClr val="windowText" lastClr="000000"/>
+                </a:solidFill>
+              </a:rPr>
+              <a:t>정비</a:t>
+            </a:r>
+            <a:r>
+              <a:rPr lang="en-US" altLang="ko-KR" dirty="0">
+                <a:solidFill>
+                  <a:sysClr val="windowText" lastClr="000000"/>
+                </a:solidFill>
+              </a:rPr>
+              <a:t>-</a:t>
+            </a:r>
+            <a:r>
+              <a:rPr lang="ko-KR" altLang="en-US" dirty="0">
+                <a:solidFill>
+                  <a:sysClr val="windowText" lastClr="000000"/>
+                </a:solidFill>
+              </a:rPr>
+              <a:t>단련</a:t>
+            </a:r>
+            <a:endParaRPr lang="en-US" altLang="ko-KR" dirty="0">
+              <a:solidFill>
+                <a:sysClr val="windowText" lastClr="000000"/>
+              </a:solidFill>
+            </a:endParaRPr>
+          </a:p>
+        </p:txBody>
+      </p:sp>
+      <p:sp>
+        <p:nvSpPr>
+          <p:cNvPr id="12" name="사각형: 둥근 모서리 11">
+            <a:extLst>
+              <a:ext uri="{FF2B5EF4-FFF2-40B4-BE49-F238E27FC236}">
+                <a16:creationId xmlns:a16="http://schemas.microsoft.com/office/drawing/2014/main" id="{2053244C-E1B1-3B93-6F61-ECE95DB990A9}"/>
+              </a:ext>
+            </a:extLst>
+          </p:cNvPr>
+          <p:cNvSpPr/>
+          <p:nvPr/>
+        </p:nvSpPr>
+        <p:spPr>
+          <a:xfrm>
+            <a:off x="5413183" y="973318"/>
+            <a:ext cx="1365635" cy="663876"/>
+          </a:xfrm>
+          <a:prstGeom prst="roundRect">
+            <a:avLst/>
+          </a:prstGeom>
+        </p:spPr>
+        <p:style>
+          <a:lnRef idx="2">
+            <a:schemeClr val="accent1">
+              <a:shade val="15000"/>
+            </a:schemeClr>
+          </a:lnRef>
+          <a:fillRef idx="1">
+            <a:schemeClr val="accent1"/>
+          </a:fillRef>
+          <a:effectRef idx="0">
+            <a:schemeClr val="accent1"/>
+          </a:effectRef>
+          <a:fontRef idx="minor">
+            <a:schemeClr val="lt1"/>
+          </a:fontRef>
+        </p:style>
+        <p:txBody>
+          <a:bodyPr rtlCol="0" anchor="ctr"/>
+          <a:lstStyle/>
+          <a:p>
+            <a:pPr algn="ctr"/>
+            <a:r>
+              <a:rPr lang="ko-KR" altLang="en-US" sz="1200" dirty="0"/>
+              <a:t>메인 타이틀</a:t>
+            </a:r>
+          </a:p>
+        </p:txBody>
+      </p:sp>
+      <p:cxnSp>
+        <p:nvCxnSpPr>
+          <p:cNvPr id="3" name="직선 연결선 2">
+            <a:extLst>
+              <a:ext uri="{FF2B5EF4-FFF2-40B4-BE49-F238E27FC236}">
+                <a16:creationId xmlns:a16="http://schemas.microsoft.com/office/drawing/2014/main" id="{ABDB02E7-1B5A-B151-E3A5-E2EB964521DE}"/>
+              </a:ext>
+            </a:extLst>
+          </p:cNvPr>
+          <p:cNvCxnSpPr>
+            <a:cxnSpLocks/>
+          </p:cNvCxnSpPr>
+          <p:nvPr/>
+        </p:nvCxnSpPr>
+        <p:spPr>
+          <a:xfrm>
+            <a:off x="1810161" y="3407229"/>
+            <a:ext cx="8571679" cy="0"/>
+          </a:xfrm>
+          <a:prstGeom prst="line">
+            <a:avLst/>
+          </a:prstGeom>
+        </p:spPr>
+        <p:style>
+          <a:lnRef idx="2">
+            <a:schemeClr val="accent1"/>
+          </a:lnRef>
+          <a:fillRef idx="0">
+            <a:schemeClr val="accent1"/>
+          </a:fillRef>
+          <a:effectRef idx="1">
+            <a:schemeClr val="accent1"/>
+          </a:effectRef>
+          <a:fontRef idx="minor">
+            <a:schemeClr val="tx1"/>
+          </a:fontRef>
+        </p:style>
+      </p:cxnSp>
+      <p:sp>
+        <p:nvSpPr>
+          <p:cNvPr id="4" name="직사각형 3">
+            <a:extLst>
+              <a:ext uri="{FF2B5EF4-FFF2-40B4-BE49-F238E27FC236}">
+                <a16:creationId xmlns:a16="http://schemas.microsoft.com/office/drawing/2014/main" id="{2C5FB087-9D0C-F77E-D897-CEB899CF8C8E}"/>
+              </a:ext>
+            </a:extLst>
+          </p:cNvPr>
+          <p:cNvSpPr/>
+          <p:nvPr/>
+        </p:nvSpPr>
+        <p:spPr>
+          <a:xfrm>
+            <a:off x="1810161" y="3450771"/>
+            <a:ext cx="4506926" cy="250372"/>
+          </a:xfrm>
+          <a:prstGeom prst="rect">
+            <a:avLst/>
+          </a:prstGeom>
+          <a:noFill/>
+          <a:ln>
+            <a:noFill/>
+          </a:ln>
+        </p:spPr>
+        <p:style>
+          <a:lnRef idx="2">
+            <a:schemeClr val="accent1">
+              <a:shade val="15000"/>
+            </a:schemeClr>
+          </a:lnRef>
+          <a:fillRef idx="1">
+            <a:schemeClr val="accent1"/>
+          </a:fillRef>
+          <a:effectRef idx="0">
+            <a:schemeClr val="accent1"/>
+          </a:effectRef>
+          <a:fontRef idx="minor">
+            <a:schemeClr val="lt1"/>
+          </a:fontRef>
+        </p:style>
+        <p:txBody>
+          <a:bodyPr rtlCol="0" anchor="ctr"/>
+          <a:lstStyle/>
+          <a:p>
+            <a:r>
+              <a:rPr lang="en-US" altLang="ko-KR" sz="1100" dirty="0">
+                <a:solidFill>
+                  <a:sysClr val="windowText" lastClr="000000"/>
+                </a:solidFill>
+              </a:rPr>
+              <a:t>※ </a:t>
+            </a:r>
+            <a:r>
+              <a:rPr lang="ko-KR" altLang="en-US" sz="1100" dirty="0">
+                <a:solidFill>
+                  <a:sysClr val="windowText" lastClr="000000"/>
+                </a:solidFill>
+              </a:rPr>
+              <a:t>노드의 위치 및 효과는 상세 기획 참조</a:t>
+            </a:r>
+            <a:endParaRPr lang="en-US" altLang="ko-KR" sz="1100" dirty="0">
+              <a:solidFill>
+                <a:sysClr val="windowText" lastClr="000000"/>
+              </a:solidFill>
+            </a:endParaRPr>
+          </a:p>
+        </p:txBody>
+      </p:sp>
+      <p:sp>
+        <p:nvSpPr>
+          <p:cNvPr id="5" name="직사각형 4">
+            <a:extLst>
+              <a:ext uri="{FF2B5EF4-FFF2-40B4-BE49-F238E27FC236}">
+                <a16:creationId xmlns:a16="http://schemas.microsoft.com/office/drawing/2014/main" id="{BAFA9BC5-820A-7FC9-2BF2-2B9E3ED25232}"/>
+              </a:ext>
+            </a:extLst>
+          </p:cNvPr>
+          <p:cNvSpPr/>
+          <p:nvPr/>
+        </p:nvSpPr>
+        <p:spPr>
+          <a:xfrm>
+            <a:off x="5413183" y="6452484"/>
+            <a:ext cx="1108299" cy="250372"/>
+          </a:xfrm>
+          <a:prstGeom prst="rect">
+            <a:avLst/>
+          </a:prstGeom>
+          <a:noFill/>
+          <a:ln>
+            <a:noFill/>
+          </a:ln>
+        </p:spPr>
+        <p:style>
+          <a:lnRef idx="2">
+            <a:schemeClr val="accent1">
+              <a:shade val="15000"/>
+            </a:schemeClr>
+          </a:lnRef>
+          <a:fillRef idx="1">
+            <a:schemeClr val="accent1"/>
+          </a:fillRef>
+          <a:effectRef idx="0">
+            <a:schemeClr val="accent1"/>
+          </a:effectRef>
+          <a:fontRef idx="minor">
+            <a:schemeClr val="lt1"/>
+          </a:fontRef>
+        </p:style>
+        <p:txBody>
+          <a:bodyPr rtlCol="0" anchor="ctr"/>
+          <a:lstStyle/>
+          <a:p>
+            <a:r>
+              <a:rPr lang="en-US" altLang="ko-KR" sz="1100" dirty="0">
+                <a:solidFill>
+                  <a:sysClr val="windowText" lastClr="000000"/>
+                </a:solidFill>
+              </a:rPr>
+              <a:t>[</a:t>
+            </a:r>
+            <a:r>
+              <a:rPr lang="ko-KR" altLang="en-US" sz="1100" dirty="0">
+                <a:solidFill>
+                  <a:sysClr val="windowText" lastClr="000000"/>
+                </a:solidFill>
+              </a:rPr>
+              <a:t>예시 이미지 </a:t>
+            </a:r>
+            <a:r>
+              <a:rPr lang="en-US" altLang="ko-KR" sz="1100" dirty="0">
+                <a:solidFill>
+                  <a:sysClr val="windowText" lastClr="000000"/>
+                </a:solidFill>
+              </a:rPr>
+              <a:t>2]</a:t>
+            </a:r>
+          </a:p>
+        </p:txBody>
+      </p:sp>
+      <p:sp>
+        <p:nvSpPr>
+          <p:cNvPr id="17" name="사각형: 둥근 모서리 16">
+            <a:extLst>
+              <a:ext uri="{FF2B5EF4-FFF2-40B4-BE49-F238E27FC236}">
+                <a16:creationId xmlns:a16="http://schemas.microsoft.com/office/drawing/2014/main" id="{1EC5E988-394C-C5EB-84A1-070DCA0C3C54}"/>
+              </a:ext>
+            </a:extLst>
+          </p:cNvPr>
+          <p:cNvSpPr/>
+          <p:nvPr/>
+        </p:nvSpPr>
+        <p:spPr>
+          <a:xfrm>
+            <a:off x="5413183" y="973318"/>
+            <a:ext cx="1365635" cy="663876"/>
+          </a:xfrm>
+          <a:prstGeom prst="roundRect">
+            <a:avLst/>
+          </a:prstGeom>
+        </p:spPr>
+        <p:style>
+          <a:lnRef idx="2">
+            <a:schemeClr val="accent1">
+              <a:shade val="15000"/>
+            </a:schemeClr>
+          </a:lnRef>
+          <a:fillRef idx="1">
+            <a:schemeClr val="accent1"/>
+          </a:fillRef>
+          <a:effectRef idx="0">
+            <a:schemeClr val="accent1"/>
+          </a:effectRef>
+          <a:fontRef idx="minor">
+            <a:schemeClr val="lt1"/>
+          </a:fontRef>
+        </p:style>
+        <p:txBody>
+          <a:bodyPr rtlCol="0" anchor="ctr"/>
+          <a:lstStyle/>
+          <a:p>
+            <a:pPr algn="ctr"/>
+            <a:r>
+              <a:rPr lang="ko-KR" altLang="en-US" sz="1200" dirty="0"/>
+              <a:t>메인 타이틀</a:t>
+            </a:r>
+          </a:p>
+        </p:txBody>
+      </p:sp>
+      <p:sp>
+        <p:nvSpPr>
+          <p:cNvPr id="19" name="직사각형 18">
+            <a:extLst>
+              <a:ext uri="{FF2B5EF4-FFF2-40B4-BE49-F238E27FC236}">
+                <a16:creationId xmlns:a16="http://schemas.microsoft.com/office/drawing/2014/main" id="{642D1845-ECE2-E25A-1990-33BDF03FF752}"/>
+              </a:ext>
+            </a:extLst>
+          </p:cNvPr>
+          <p:cNvSpPr/>
+          <p:nvPr/>
+        </p:nvSpPr>
+        <p:spPr>
+          <a:xfrm>
+            <a:off x="3811832" y="2556459"/>
+            <a:ext cx="1365635" cy="663876"/>
+          </a:xfrm>
+          <a:prstGeom prst="rect">
+            <a:avLst/>
+          </a:prstGeom>
+        </p:spPr>
+        <p:style>
+          <a:lnRef idx="2">
+            <a:schemeClr val="accent1">
+              <a:shade val="15000"/>
+            </a:schemeClr>
+          </a:lnRef>
+          <a:fillRef idx="1">
+            <a:schemeClr val="accent1"/>
+          </a:fillRef>
+          <a:effectRef idx="0">
+            <a:schemeClr val="accent1"/>
+          </a:effectRef>
+          <a:fontRef idx="minor">
+            <a:schemeClr val="lt1"/>
+          </a:fontRef>
+        </p:style>
+        <p:txBody>
+          <a:bodyPr rtlCol="0" anchor="ctr"/>
+          <a:lstStyle/>
+          <a:p>
+            <a:pPr algn="ctr"/>
+            <a:r>
+              <a:rPr lang="ko-KR" altLang="en-US" sz="1200" dirty="0"/>
+              <a:t>가호</a:t>
+            </a:r>
+          </a:p>
+        </p:txBody>
+      </p:sp>
+      <p:cxnSp>
+        <p:nvCxnSpPr>
+          <p:cNvPr id="20" name="직선 화살표 연결선 19">
+            <a:extLst>
+              <a:ext uri="{FF2B5EF4-FFF2-40B4-BE49-F238E27FC236}">
+                <a16:creationId xmlns:a16="http://schemas.microsoft.com/office/drawing/2014/main" id="{3ED04ED2-85C2-9C58-1034-46CED2D51D7E}"/>
+              </a:ext>
+            </a:extLst>
+          </p:cNvPr>
+          <p:cNvCxnSpPr>
+            <a:cxnSpLocks/>
+            <a:stCxn id="17" idx="2"/>
+            <a:endCxn id="9" idx="0"/>
+          </p:cNvCxnSpPr>
+          <p:nvPr/>
+        </p:nvCxnSpPr>
+        <p:spPr>
+          <a:xfrm>
+            <a:off x="6096001" y="1637194"/>
+            <a:ext cx="0" cy="226958"/>
+          </a:xfrm>
+          <a:prstGeom prst="straightConnector1">
+            <a:avLst/>
+          </a:prstGeom>
+          <a:ln>
+            <a:tailEnd type="triangle"/>
+          </a:ln>
+        </p:spPr>
+        <p:style>
+          <a:lnRef idx="2">
+            <a:schemeClr val="accent1"/>
+          </a:lnRef>
+          <a:fillRef idx="0">
+            <a:schemeClr val="accent1"/>
+          </a:fillRef>
+          <a:effectRef idx="1">
+            <a:schemeClr val="accent1"/>
+          </a:effectRef>
+          <a:fontRef idx="minor">
+            <a:schemeClr val="tx1"/>
+          </a:fontRef>
+        </p:style>
+      </p:cxnSp>
+      <p:sp>
+        <p:nvSpPr>
+          <p:cNvPr id="9" name="직사각형 8">
+            <a:extLst>
+              <a:ext uri="{FF2B5EF4-FFF2-40B4-BE49-F238E27FC236}">
+                <a16:creationId xmlns:a16="http://schemas.microsoft.com/office/drawing/2014/main" id="{10F61BD9-E2EB-B485-72B4-E4F09EAF1CBD}"/>
+              </a:ext>
+            </a:extLst>
+          </p:cNvPr>
+          <p:cNvSpPr/>
+          <p:nvPr/>
+        </p:nvSpPr>
+        <p:spPr>
+          <a:xfrm>
+            <a:off x="5413183" y="1864152"/>
+            <a:ext cx="1365635" cy="663876"/>
+          </a:xfrm>
+          <a:prstGeom prst="rect">
+            <a:avLst/>
+          </a:prstGeom>
+        </p:spPr>
+        <p:style>
+          <a:lnRef idx="2">
+            <a:schemeClr val="accent1">
+              <a:shade val="15000"/>
+            </a:schemeClr>
+          </a:lnRef>
+          <a:fillRef idx="1">
+            <a:schemeClr val="accent1"/>
+          </a:fillRef>
+          <a:effectRef idx="0">
+            <a:schemeClr val="accent1"/>
+          </a:effectRef>
+          <a:fontRef idx="minor">
+            <a:schemeClr val="lt1"/>
+          </a:fontRef>
+        </p:style>
+        <p:txBody>
+          <a:bodyPr rtlCol="0" anchor="ctr"/>
+          <a:lstStyle/>
+          <a:p>
+            <a:pPr algn="ctr"/>
+            <a:r>
+              <a:rPr lang="ko-KR" altLang="en-US" sz="1200" dirty="0"/>
+              <a:t>정비</a:t>
+            </a:r>
+          </a:p>
+        </p:txBody>
+      </p:sp>
+      <p:sp>
+        <p:nvSpPr>
+          <p:cNvPr id="11" name="직사각형 10">
+            <a:extLst>
+              <a:ext uri="{FF2B5EF4-FFF2-40B4-BE49-F238E27FC236}">
+                <a16:creationId xmlns:a16="http://schemas.microsoft.com/office/drawing/2014/main" id="{228DF18B-2754-0CCD-84A2-A1E9E6C93996}"/>
+              </a:ext>
+            </a:extLst>
+          </p:cNvPr>
+          <p:cNvSpPr/>
+          <p:nvPr/>
+        </p:nvSpPr>
+        <p:spPr>
+          <a:xfrm>
+            <a:off x="7014535" y="2556459"/>
+            <a:ext cx="1365635" cy="663876"/>
+          </a:xfrm>
+          <a:prstGeom prst="rect">
+            <a:avLst/>
+          </a:prstGeom>
+        </p:spPr>
+        <p:style>
+          <a:lnRef idx="2">
+            <a:schemeClr val="accent1">
+              <a:shade val="15000"/>
+            </a:schemeClr>
+          </a:lnRef>
+          <a:fillRef idx="1">
+            <a:schemeClr val="accent1"/>
+          </a:fillRef>
+          <a:effectRef idx="0">
+            <a:schemeClr val="accent1"/>
+          </a:effectRef>
+          <a:fontRef idx="minor">
+            <a:schemeClr val="lt1"/>
+          </a:fontRef>
+        </p:style>
+        <p:txBody>
+          <a:bodyPr rtlCol="0" anchor="ctr"/>
+          <a:lstStyle/>
+          <a:p>
+            <a:pPr algn="ctr"/>
+            <a:r>
+              <a:rPr lang="ko-KR" altLang="en-US" sz="1200" dirty="0"/>
+              <a:t>단련</a:t>
+            </a:r>
+          </a:p>
+        </p:txBody>
+      </p:sp>
+      <p:cxnSp>
+        <p:nvCxnSpPr>
+          <p:cNvPr id="14" name="연결선: 꺾임 13">
+            <a:extLst>
+              <a:ext uri="{FF2B5EF4-FFF2-40B4-BE49-F238E27FC236}">
+                <a16:creationId xmlns:a16="http://schemas.microsoft.com/office/drawing/2014/main" id="{A2D8950D-7989-50AB-4789-894832C27D44}"/>
+              </a:ext>
+            </a:extLst>
+          </p:cNvPr>
+          <p:cNvCxnSpPr>
+            <a:stCxn id="9" idx="1"/>
+            <a:endCxn id="19" idx="0"/>
+          </p:cNvCxnSpPr>
+          <p:nvPr/>
+        </p:nvCxnSpPr>
+        <p:spPr>
+          <a:xfrm rot="10800000" flipV="1">
+            <a:off x="4494651" y="2196089"/>
+            <a:ext cx="918533" cy="360369"/>
+          </a:xfrm>
+          <a:prstGeom prst="bentConnector2">
+            <a:avLst/>
+          </a:prstGeom>
+          <a:ln>
+            <a:tailEnd type="triangle"/>
+          </a:ln>
+        </p:spPr>
+        <p:style>
+          <a:lnRef idx="1">
+            <a:schemeClr val="accent1"/>
+          </a:lnRef>
+          <a:fillRef idx="0">
+            <a:schemeClr val="accent1"/>
+          </a:fillRef>
+          <a:effectRef idx="0">
+            <a:schemeClr val="accent1"/>
+          </a:effectRef>
+          <a:fontRef idx="minor">
+            <a:schemeClr val="tx1"/>
+          </a:fontRef>
+        </p:style>
+      </p:cxnSp>
+      <p:cxnSp>
+        <p:nvCxnSpPr>
+          <p:cNvPr id="15" name="연결선: 꺾임 14">
+            <a:extLst>
+              <a:ext uri="{FF2B5EF4-FFF2-40B4-BE49-F238E27FC236}">
+                <a16:creationId xmlns:a16="http://schemas.microsoft.com/office/drawing/2014/main" id="{9E6E00AA-7F36-4D50-D56A-A94DCFD57F82}"/>
+              </a:ext>
+            </a:extLst>
+          </p:cNvPr>
+          <p:cNvCxnSpPr>
+            <a:cxnSpLocks/>
+            <a:stCxn id="9" idx="3"/>
+            <a:endCxn id="11" idx="0"/>
+          </p:cNvCxnSpPr>
+          <p:nvPr/>
+        </p:nvCxnSpPr>
+        <p:spPr>
+          <a:xfrm>
+            <a:off x="6778818" y="2196090"/>
+            <a:ext cx="918535" cy="360369"/>
+          </a:xfrm>
+          <a:prstGeom prst="bentConnector2">
+            <a:avLst/>
+          </a:prstGeom>
+          <a:ln>
+            <a:solidFill>
+              <a:srgbClr val="FF0000"/>
+            </a:solidFill>
+            <a:tailEnd type="triangle"/>
+          </a:ln>
+        </p:spPr>
+        <p:style>
+          <a:lnRef idx="2">
+            <a:schemeClr val="accent1"/>
+          </a:lnRef>
+          <a:fillRef idx="0">
+            <a:schemeClr val="accent1"/>
+          </a:fillRef>
+          <a:effectRef idx="1">
+            <a:schemeClr val="accent1"/>
+          </a:effectRef>
+          <a:fontRef idx="minor">
+            <a:schemeClr val="tx1"/>
+          </a:fontRef>
+        </p:style>
+      </p:cxnSp>
+      <p:pic>
+        <p:nvPicPr>
+          <p:cNvPr id="8" name="그림 7">
+            <a:extLst>
+              <a:ext uri="{FF2B5EF4-FFF2-40B4-BE49-F238E27FC236}">
+                <a16:creationId xmlns:a16="http://schemas.microsoft.com/office/drawing/2014/main" id="{01B12A1C-93D1-D63F-0953-B4ADD99561C3}"/>
+              </a:ext>
+            </a:extLst>
+          </p:cNvPr>
+          <p:cNvPicPr>
+            <a:picLocks noChangeAspect="1"/>
+          </p:cNvPicPr>
+          <p:nvPr/>
+        </p:nvPicPr>
+        <p:blipFill>
+          <a:blip r:embed="rId2"/>
+          <a:stretch>
+            <a:fillRect/>
+          </a:stretch>
+        </p:blipFill>
+        <p:spPr>
+          <a:xfrm>
+            <a:off x="4655128" y="3703992"/>
+            <a:ext cx="2331346" cy="2694868"/>
+          </a:xfrm>
+          <a:prstGeom prst="rect">
+            <a:avLst/>
+          </a:prstGeom>
+          <a:ln>
+            <a:solidFill>
+              <a:schemeClr val="tx1"/>
+            </a:solidFill>
+          </a:ln>
+        </p:spPr>
+      </p:pic>
+    </p:spTree>
+    <p:extLst>
+      <p:ext uri="{BB962C8B-B14F-4D97-AF65-F5344CB8AC3E}">
+        <p14:creationId xmlns:p14="http://schemas.microsoft.com/office/powerpoint/2010/main" val="2494656522"/>
+      </p:ext>
+    </p:extLst>
+  </p:cSld>
+  <p:clrMapOvr>
+    <a:masterClrMapping/>
+  </p:clrMapOvr>
+</p:sld>
+</file>
+
+<file path=ppt/slides/slide6.xml><?xml version="1.0" encoding="utf-8"?>
+<p:sld xmlns:a="http://schemas.openxmlformats.org/drawingml/2006/main" xmlns:r="http://schemas.openxmlformats.org/officeDocument/2006/relationships" xmlns:p="http://schemas.openxmlformats.org/presentationml/2006/main">
+  <p:cSld>
+    <p:spTree>
+      <p:nvGrpSpPr>
+        <p:cNvPr id="1" name="">
+          <a:extLst>
+            <a:ext uri="{FF2B5EF4-FFF2-40B4-BE49-F238E27FC236}">
               <a16:creationId xmlns:a16="http://schemas.microsoft.com/office/drawing/2014/main" id="{22D4A745-1826-E40F-7FFE-FE96261CE6CD}"/>
             </a:ext>
           </a:extLst>
@@ -6961,7 +8372,7 @@
                   <a:sysClr val="windowText" lastClr="000000"/>
                 </a:solidFill>
               </a:rPr>
-              <a:t>조작 방법</a:t>
+              <a:t>게임 설정</a:t>
             </a:r>
           </a:p>
         </p:txBody>
@@ -7015,55 +8426,6 @@
           </a:p>
         </p:txBody>
       </p:sp>
-      <p:sp>
-        <p:nvSpPr>
-          <p:cNvPr id="13" name="직사각형 12">
-            <a:extLst>
-              <a:ext uri="{FF2B5EF4-FFF2-40B4-BE49-F238E27FC236}">
-                <a16:creationId xmlns:a16="http://schemas.microsoft.com/office/drawing/2014/main" id="{41506E30-F3D2-5786-CCC3-2F3B417BE532}"/>
-              </a:ext>
-            </a:extLst>
-          </p:cNvPr>
-          <p:cNvSpPr/>
-          <p:nvPr/>
-        </p:nvSpPr>
-        <p:spPr>
-          <a:xfrm>
-            <a:off x="5413183" y="2224711"/>
-            <a:ext cx="1365635" cy="663876"/>
-          </a:xfrm>
-          <a:prstGeom prst="rect">
-            <a:avLst/>
-          </a:prstGeom>
-        </p:spPr>
-        <p:style>
-          <a:lnRef idx="2">
-            <a:schemeClr val="accent1">
-              <a:shade val="15000"/>
-            </a:schemeClr>
-          </a:lnRef>
-          <a:fillRef idx="1">
-            <a:schemeClr val="accent1"/>
-          </a:fillRef>
-          <a:effectRef idx="0">
-            <a:schemeClr val="accent1"/>
-          </a:effectRef>
-          <a:fontRef idx="minor">
-            <a:schemeClr val="lt1"/>
-          </a:fontRef>
-        </p:style>
-        <p:txBody>
-          <a:bodyPr rtlCol="0" anchor="ctr"/>
-          <a:lstStyle/>
-          <a:p>
-            <a:pPr algn="ctr"/>
-            <a:r>
-              <a:rPr lang="ko-KR" altLang="en-US" sz="1200" dirty="0"/>
-              <a:t>조작 방법</a:t>
-            </a:r>
-          </a:p>
-        </p:txBody>
-      </p:sp>
       <p:cxnSp>
         <p:nvCxnSpPr>
           <p:cNvPr id="22" name="직선 화살표 연결선 21">
@@ -7074,15 +8436,16 @@
             </a:extLst>
           </p:cNvPr>
           <p:cNvCxnSpPr>
+            <a:cxnSpLocks/>
             <a:stCxn id="12" idx="2"/>
-            <a:endCxn id="13" idx="0"/>
+            <a:endCxn id="10" idx="0"/>
           </p:cNvCxnSpPr>
           <p:nvPr/>
         </p:nvCxnSpPr>
         <p:spPr>
           <a:xfrm>
             <a:off x="6096001" y="1637194"/>
-            <a:ext cx="0" cy="587517"/>
+            <a:ext cx="0" cy="226958"/>
           </a:xfrm>
           <a:prstGeom prst="straightConnector1">
             <a:avLst/>
@@ -7676,6 +9039,104 @@
                 </a:solidFill>
               </a:rPr>
               <a:t>가로 스크롤바 조절</a:t>
+            </a:r>
+          </a:p>
+        </p:txBody>
+      </p:sp>
+      <p:sp>
+        <p:nvSpPr>
+          <p:cNvPr id="9" name="사각형: 둥근 모서리 8">
+            <a:extLst>
+              <a:ext uri="{FF2B5EF4-FFF2-40B4-BE49-F238E27FC236}">
+                <a16:creationId xmlns:a16="http://schemas.microsoft.com/office/drawing/2014/main" id="{8ABD9DD9-D62B-850C-D5D5-006DCE059920}"/>
+              </a:ext>
+            </a:extLst>
+          </p:cNvPr>
+          <p:cNvSpPr/>
+          <p:nvPr/>
+        </p:nvSpPr>
+        <p:spPr>
+          <a:xfrm>
+            <a:off x="5413183" y="973318"/>
+            <a:ext cx="1365635" cy="663876"/>
+          </a:xfrm>
+          <a:prstGeom prst="roundRect">
+            <a:avLst/>
+          </a:prstGeom>
+        </p:spPr>
+        <p:style>
+          <a:lnRef idx="2">
+            <a:schemeClr val="accent1">
+              <a:shade val="15000"/>
+            </a:schemeClr>
+          </a:lnRef>
+          <a:fillRef idx="1">
+            <a:schemeClr val="accent1"/>
+          </a:fillRef>
+          <a:effectRef idx="0">
+            <a:schemeClr val="accent1"/>
+          </a:effectRef>
+          <a:fontRef idx="minor">
+            <a:schemeClr val="lt1"/>
+          </a:fontRef>
+        </p:style>
+        <p:txBody>
+          <a:bodyPr rtlCol="0" anchor="ctr"/>
+          <a:lstStyle/>
+          <a:p>
+            <a:pPr algn="ctr"/>
+            <a:r>
+              <a:rPr lang="ko-KR" altLang="en-US" sz="1200" dirty="0"/>
+              <a:t>메인 타이틀</a:t>
+            </a:r>
+          </a:p>
+        </p:txBody>
+      </p:sp>
+      <p:sp>
+        <p:nvSpPr>
+          <p:cNvPr id="10" name="직사각형 9">
+            <a:extLst>
+              <a:ext uri="{FF2B5EF4-FFF2-40B4-BE49-F238E27FC236}">
+                <a16:creationId xmlns:a16="http://schemas.microsoft.com/office/drawing/2014/main" id="{1DA20B89-E382-4070-ADB7-FD92E5F7CF37}"/>
+              </a:ext>
+            </a:extLst>
+          </p:cNvPr>
+          <p:cNvSpPr/>
+          <p:nvPr/>
+        </p:nvSpPr>
+        <p:spPr>
+          <a:xfrm>
+            <a:off x="5413183" y="1864152"/>
+            <a:ext cx="1365635" cy="663876"/>
+          </a:xfrm>
+          <a:prstGeom prst="rect">
+            <a:avLst/>
+          </a:prstGeom>
+        </p:spPr>
+        <p:style>
+          <a:lnRef idx="2">
+            <a:schemeClr val="accent1">
+              <a:shade val="15000"/>
+            </a:schemeClr>
+          </a:lnRef>
+          <a:fillRef idx="1">
+            <a:schemeClr val="accent1"/>
+          </a:fillRef>
+          <a:effectRef idx="0">
+            <a:schemeClr val="accent1"/>
+          </a:effectRef>
+          <a:fontRef idx="minor">
+            <a:schemeClr val="lt1"/>
+          </a:fontRef>
+        </p:style>
+        <p:txBody>
+          <a:bodyPr rtlCol="0" anchor="ctr"/>
+          <a:lstStyle/>
+          <a:p>
+            <a:pPr algn="ctr"/>
+            <a:r>
+              <a:rPr lang="ko-KR" altLang="en-US" sz="1200" dirty="0"/>
+              <a:t>게임 설정</a:t>
             </a:r>
           </a:p>
         </p:txBody>
@@ -7693,7 +9154,7 @@
 </p:sld>
 </file>
 
-<file path=ppt/slides/slide6.xml><?xml version="1.0" encoding="utf-8"?>
+<file path=ppt/slides/slide7.xml><?xml version="1.0" encoding="utf-8"?>
 <p:sld xmlns:a="http://schemas.openxmlformats.org/drawingml/2006/main" xmlns:r="http://schemas.openxmlformats.org/officeDocument/2006/relationships" xmlns:p="http://schemas.openxmlformats.org/presentationml/2006/main">
   <p:cSld>
     <p:spTree>
@@ -7791,55 +9252,6 @@
       </p:sp>
       <p:sp>
         <p:nvSpPr>
-          <p:cNvPr id="11" name="다이아몬드 10">
-            <a:extLst>
-              <a:ext uri="{FF2B5EF4-FFF2-40B4-BE49-F238E27FC236}">
-                <a16:creationId xmlns:a16="http://schemas.microsoft.com/office/drawing/2014/main" id="{3968ED40-7D8B-A473-0D29-83614AC8A4A4}"/>
-              </a:ext>
-            </a:extLst>
-          </p:cNvPr>
-          <p:cNvSpPr/>
-          <p:nvPr/>
-        </p:nvSpPr>
-        <p:spPr>
-          <a:xfrm>
-            <a:off x="5315835" y="2968104"/>
-            <a:ext cx="1560329" cy="963816"/>
-          </a:xfrm>
-          <a:prstGeom prst="diamond">
-            <a:avLst/>
-          </a:prstGeom>
-        </p:spPr>
-        <p:style>
-          <a:lnRef idx="2">
-            <a:schemeClr val="accent1">
-              <a:shade val="15000"/>
-            </a:schemeClr>
-          </a:lnRef>
-          <a:fillRef idx="1">
-            <a:schemeClr val="accent1"/>
-          </a:fillRef>
-          <a:effectRef idx="0">
-            <a:schemeClr val="accent1"/>
-          </a:effectRef>
-          <a:fontRef idx="minor">
-            <a:schemeClr val="lt1"/>
-          </a:fontRef>
-        </p:style>
-        <p:txBody>
-          <a:bodyPr rtlCol="0" anchor="ctr"/>
-          <a:lstStyle/>
-          <a:p>
-            <a:pPr algn="ctr"/>
-            <a:r>
-              <a:rPr lang="ko-KR" altLang="en-US" sz="1200" dirty="0"/>
-              <a:t>저장된 기록</a:t>
-            </a:r>
-          </a:p>
-        </p:txBody>
-      </p:sp>
-      <p:sp>
-        <p:nvSpPr>
           <p:cNvPr id="12" name="사각형: 둥근 모서리 11">
             <a:extLst>
               <a:ext uri="{FF2B5EF4-FFF2-40B4-BE49-F238E27FC236}">
@@ -7990,14 +9402,14 @@
           <p:cNvCxnSpPr>
             <a:cxnSpLocks/>
             <a:stCxn id="13" idx="2"/>
-            <a:endCxn id="11" idx="0"/>
+            <a:endCxn id="15" idx="0"/>
           </p:cNvCxnSpPr>
           <p:nvPr/>
         </p:nvCxnSpPr>
         <p:spPr>
           <a:xfrm flipH="1">
             <a:off x="6096000" y="2634587"/>
-            <a:ext cx="1" cy="333517"/>
+            <a:ext cx="1" cy="367094"/>
           </a:xfrm>
           <a:prstGeom prst="straightConnector1">
             <a:avLst/>
@@ -8023,10 +9435,10 @@
       </p:cxnSp>
       <p:sp>
         <p:nvSpPr>
-          <p:cNvPr id="19" name="직사각형 18">
-            <a:extLst>
-              <a:ext uri="{FF2B5EF4-FFF2-40B4-BE49-F238E27FC236}">
-                <a16:creationId xmlns:a16="http://schemas.microsoft.com/office/drawing/2014/main" id="{CAE61482-6D6B-0CAF-78EF-E871A7F7F412}"/>
+          <p:cNvPr id="29" name="직사각형 28">
+            <a:extLst>
+              <a:ext uri="{FF2B5EF4-FFF2-40B4-BE49-F238E27FC236}">
+                <a16:creationId xmlns:a16="http://schemas.microsoft.com/office/drawing/2014/main" id="{FA0F6741-56B1-1770-87F9-C0EEE9915F61}"/>
               </a:ext>
             </a:extLst>
           </p:cNvPr>
@@ -8035,16 +9447,12 @@
         </p:nvSpPr>
         <p:spPr>
           <a:xfrm>
-            <a:off x="6162138" y="3916516"/>
-            <a:ext cx="340869" cy="165707"/>
+            <a:off x="5413183" y="3999074"/>
+            <a:ext cx="1365635" cy="663876"/>
           </a:xfrm>
           <a:prstGeom prst="rect">
             <a:avLst/>
           </a:prstGeom>
-          <a:noFill/>
-          <a:ln>
-            <a:noFill/>
-          </a:ln>
         </p:spPr>
         <p:style>
           <a:lnRef idx="2">
@@ -8068,27 +9476,61 @@
           <a:p>
             <a:pPr algn="ctr"/>
             <a:r>
-              <a:rPr lang="en-US" altLang="ko-KR" sz="1200" dirty="0">
-                <a:solidFill>
-                  <a:sysClr val="windowText" lastClr="000000"/>
-                </a:solidFill>
-              </a:rPr>
-              <a:t>Y</a:t>
-            </a:r>
-            <a:endParaRPr lang="ko-KR" altLang="en-US" sz="1200" dirty="0">
-              <a:solidFill>
-                <a:sysClr val="windowText" lastClr="000000"/>
-              </a:solidFill>
-            </a:endParaRPr>
-          </a:p>
-        </p:txBody>
-      </p:sp>
-      <p:sp>
-        <p:nvSpPr>
-          <p:cNvPr id="20" name="직사각형 19">
-            <a:extLst>
-              <a:ext uri="{FF2B5EF4-FFF2-40B4-BE49-F238E27FC236}">
-                <a16:creationId xmlns:a16="http://schemas.microsoft.com/office/drawing/2014/main" id="{93E01D6D-02B0-5A53-0013-023F20698D9C}"/>
+              <a:rPr lang="ko-KR" altLang="en-US" sz="1200" dirty="0"/>
+              <a:t>로딩 화면</a:t>
+            </a:r>
+          </a:p>
+        </p:txBody>
+      </p:sp>
+      <p:cxnSp>
+        <p:nvCxnSpPr>
+          <p:cNvPr id="36" name="직선 화살표 연결선 35">
+            <a:extLst>
+              <a:ext uri="{FF2B5EF4-FFF2-40B4-BE49-F238E27FC236}">
+                <a16:creationId xmlns:a16="http://schemas.microsoft.com/office/drawing/2014/main" id="{9C6B668A-4087-4C6E-2B3D-037199FB29F6}"/>
+              </a:ext>
+            </a:extLst>
+          </p:cNvPr>
+          <p:cNvCxnSpPr>
+            <a:cxnSpLocks/>
+            <a:stCxn id="15" idx="2"/>
+            <a:endCxn id="29" idx="0"/>
+          </p:cNvCxnSpPr>
+          <p:nvPr/>
+        </p:nvCxnSpPr>
+        <p:spPr>
+          <a:xfrm>
+            <a:off x="6096000" y="3665557"/>
+            <a:ext cx="1" cy="333517"/>
+          </a:xfrm>
+          <a:prstGeom prst="straightConnector1">
+            <a:avLst/>
+          </a:prstGeom>
+          <a:ln>
+            <a:tailEnd type="triangle"/>
+          </a:ln>
+        </p:spPr>
+        <p:style>
+          <a:lnRef idx="2">
+            <a:schemeClr val="accent1"/>
+          </a:lnRef>
+          <a:fillRef idx="0">
+            <a:schemeClr val="accent1"/>
+          </a:fillRef>
+          <a:effectRef idx="1">
+            <a:schemeClr val="accent1"/>
+          </a:effectRef>
+          <a:fontRef idx="minor">
+            <a:schemeClr val="tx1"/>
+          </a:fontRef>
+        </p:style>
+      </p:cxnSp>
+      <p:sp>
+        <p:nvSpPr>
+          <p:cNvPr id="46" name="직사각형 45">
+            <a:extLst>
+              <a:ext uri="{FF2B5EF4-FFF2-40B4-BE49-F238E27FC236}">
+                <a16:creationId xmlns:a16="http://schemas.microsoft.com/office/drawing/2014/main" id="{D89DD003-3F89-9888-0863-4FACAC1A4A13}"/>
               </a:ext>
             </a:extLst>
           </p:cNvPr>
@@ -8097,16 +9539,12 @@
         </p:nvSpPr>
         <p:spPr>
           <a:xfrm>
-            <a:off x="6542247" y="3036456"/>
-            <a:ext cx="473142" cy="230009"/>
+            <a:off x="5413183" y="5030044"/>
+            <a:ext cx="1365635" cy="663876"/>
           </a:xfrm>
           <a:prstGeom prst="rect">
             <a:avLst/>
           </a:prstGeom>
-          <a:noFill/>
-          <a:ln>
-            <a:noFill/>
-          </a:ln>
         </p:spPr>
         <p:style>
           <a:lnRef idx="2">
@@ -8130,250 +9568,8 @@
           <a:p>
             <a:pPr algn="ctr"/>
             <a:r>
-              <a:rPr lang="en-US" altLang="ko-KR" sz="1200" dirty="0">
-                <a:solidFill>
-                  <a:srgbClr val="FF0000"/>
-                </a:solidFill>
-              </a:rPr>
-              <a:t>N</a:t>
-            </a:r>
-            <a:endParaRPr lang="ko-KR" altLang="en-US" sz="1200" dirty="0">
-              <a:solidFill>
-                <a:srgbClr val="FF0000"/>
-              </a:solidFill>
-            </a:endParaRPr>
-          </a:p>
-        </p:txBody>
-      </p:sp>
-      <p:sp>
-        <p:nvSpPr>
-          <p:cNvPr id="28" name="직사각형 27">
-            <a:extLst>
-              <a:ext uri="{FF2B5EF4-FFF2-40B4-BE49-F238E27FC236}">
-                <a16:creationId xmlns:a16="http://schemas.microsoft.com/office/drawing/2014/main" id="{C883064F-33BD-6622-7F83-6F5333EC0B88}"/>
-              </a:ext>
-            </a:extLst>
-          </p:cNvPr>
-          <p:cNvSpPr/>
-          <p:nvPr/>
-        </p:nvSpPr>
-        <p:spPr>
-          <a:xfrm>
-            <a:off x="7349308" y="3118074"/>
-            <a:ext cx="1365635" cy="663876"/>
-          </a:xfrm>
-          <a:prstGeom prst="rect">
-            <a:avLst/>
-          </a:prstGeom>
-        </p:spPr>
-        <p:style>
-          <a:lnRef idx="2">
-            <a:schemeClr val="accent1">
-              <a:shade val="15000"/>
-            </a:schemeClr>
-          </a:lnRef>
-          <a:fillRef idx="1">
-            <a:schemeClr val="accent1"/>
-          </a:fillRef>
-          <a:effectRef idx="0">
-            <a:schemeClr val="accent1"/>
-          </a:effectRef>
-          <a:fontRef idx="minor">
-            <a:schemeClr val="lt1"/>
-          </a:fontRef>
-        </p:style>
-        <p:txBody>
-          <a:bodyPr rtlCol="0" anchor="ctr"/>
-          <a:lstStyle/>
-          <a:p>
-            <a:pPr algn="ctr"/>
-            <a:r>
               <a:rPr lang="ko-KR" altLang="en-US" sz="1200" dirty="0"/>
-              <a:t>로딩 화면</a:t>
-            </a:r>
-          </a:p>
-        </p:txBody>
-      </p:sp>
-      <p:sp>
-        <p:nvSpPr>
-          <p:cNvPr id="29" name="직사각형 28">
-            <a:extLst>
-              <a:ext uri="{FF2B5EF4-FFF2-40B4-BE49-F238E27FC236}">
-                <a16:creationId xmlns:a16="http://schemas.microsoft.com/office/drawing/2014/main" id="{FA0F6741-56B1-1770-87F9-C0EEE9915F61}"/>
-              </a:ext>
-            </a:extLst>
-          </p:cNvPr>
-          <p:cNvSpPr/>
-          <p:nvPr/>
-        </p:nvSpPr>
-        <p:spPr>
-          <a:xfrm>
-            <a:off x="5413183" y="4299014"/>
-            <a:ext cx="1365635" cy="663876"/>
-          </a:xfrm>
-          <a:prstGeom prst="rect">
-            <a:avLst/>
-          </a:prstGeom>
-        </p:spPr>
-        <p:style>
-          <a:lnRef idx="2">
-            <a:schemeClr val="accent1">
-              <a:shade val="15000"/>
-            </a:schemeClr>
-          </a:lnRef>
-          <a:fillRef idx="1">
-            <a:schemeClr val="accent1"/>
-          </a:fillRef>
-          <a:effectRef idx="0">
-            <a:schemeClr val="accent1"/>
-          </a:effectRef>
-          <a:fontRef idx="minor">
-            <a:schemeClr val="lt1"/>
-          </a:fontRef>
-        </p:style>
-        <p:txBody>
-          <a:bodyPr rtlCol="0" anchor="ctr"/>
-          <a:lstStyle/>
-          <a:p>
-            <a:pPr algn="ctr"/>
-            <a:r>
-              <a:rPr lang="ko-KR" altLang="en-US" sz="1200" dirty="0"/>
-              <a:t>로딩 화면</a:t>
-            </a:r>
-          </a:p>
-        </p:txBody>
-      </p:sp>
-      <p:cxnSp>
-        <p:nvCxnSpPr>
-          <p:cNvPr id="36" name="직선 화살표 연결선 35">
-            <a:extLst>
-              <a:ext uri="{FF2B5EF4-FFF2-40B4-BE49-F238E27FC236}">
-                <a16:creationId xmlns:a16="http://schemas.microsoft.com/office/drawing/2014/main" id="{9C6B668A-4087-4C6E-2B3D-037199FB29F6}"/>
-              </a:ext>
-            </a:extLst>
-          </p:cNvPr>
-          <p:cNvCxnSpPr>
-            <a:cxnSpLocks/>
-            <a:stCxn id="11" idx="2"/>
-            <a:endCxn id="29" idx="0"/>
-          </p:cNvCxnSpPr>
-          <p:nvPr/>
-        </p:nvCxnSpPr>
-        <p:spPr>
-          <a:xfrm>
-            <a:off x="6096000" y="3931920"/>
-            <a:ext cx="1" cy="367094"/>
-          </a:xfrm>
-          <a:prstGeom prst="straightConnector1">
-            <a:avLst/>
-          </a:prstGeom>
-          <a:ln>
-            <a:tailEnd type="triangle"/>
-          </a:ln>
-        </p:spPr>
-        <p:style>
-          <a:lnRef idx="2">
-            <a:schemeClr val="accent1"/>
-          </a:lnRef>
-          <a:fillRef idx="0">
-            <a:schemeClr val="accent1"/>
-          </a:fillRef>
-          <a:effectRef idx="1">
-            <a:schemeClr val="accent1"/>
-          </a:effectRef>
-          <a:fontRef idx="minor">
-            <a:schemeClr val="tx1"/>
-          </a:fontRef>
-        </p:style>
-      </p:cxnSp>
-      <p:cxnSp>
-        <p:nvCxnSpPr>
-          <p:cNvPr id="39" name="직선 화살표 연결선 38">
-            <a:extLst>
-              <a:ext uri="{FF2B5EF4-FFF2-40B4-BE49-F238E27FC236}">
-                <a16:creationId xmlns:a16="http://schemas.microsoft.com/office/drawing/2014/main" id="{96554F39-6988-6C88-259F-69259624C3E3}"/>
-              </a:ext>
-            </a:extLst>
-          </p:cNvPr>
-          <p:cNvCxnSpPr>
-            <a:cxnSpLocks/>
-            <a:stCxn id="11" idx="3"/>
-            <a:endCxn id="28" idx="1"/>
-          </p:cNvCxnSpPr>
-          <p:nvPr/>
-        </p:nvCxnSpPr>
-        <p:spPr>
-          <a:xfrm>
-            <a:off x="6876164" y="3450012"/>
-            <a:ext cx="473144" cy="0"/>
-          </a:xfrm>
-          <a:prstGeom prst="straightConnector1">
-            <a:avLst/>
-          </a:prstGeom>
-          <a:ln>
-            <a:tailEnd type="triangle"/>
-          </a:ln>
-        </p:spPr>
-        <p:style>
-          <a:lnRef idx="2">
-            <a:schemeClr val="accent1"/>
-          </a:lnRef>
-          <a:fillRef idx="0">
-            <a:schemeClr val="accent1"/>
-          </a:fillRef>
-          <a:effectRef idx="1">
-            <a:schemeClr val="accent1"/>
-          </a:effectRef>
-          <a:fontRef idx="minor">
-            <a:schemeClr val="tx1"/>
-          </a:fontRef>
-        </p:style>
-      </p:cxnSp>
-      <p:sp>
-        <p:nvSpPr>
-          <p:cNvPr id="46" name="직사각형 45">
-            <a:extLst>
-              <a:ext uri="{FF2B5EF4-FFF2-40B4-BE49-F238E27FC236}">
-                <a16:creationId xmlns:a16="http://schemas.microsoft.com/office/drawing/2014/main" id="{D89DD003-3F89-9888-0863-4FACAC1A4A13}"/>
-              </a:ext>
-            </a:extLst>
-          </p:cNvPr>
-          <p:cNvSpPr/>
-          <p:nvPr/>
-        </p:nvSpPr>
-        <p:spPr>
-          <a:xfrm>
-            <a:off x="5413183" y="5329984"/>
-            <a:ext cx="1365635" cy="663876"/>
-          </a:xfrm>
-          <a:prstGeom prst="rect">
-            <a:avLst/>
-          </a:prstGeom>
-        </p:spPr>
-        <p:style>
-          <a:lnRef idx="2">
-            <a:schemeClr val="accent1">
-              <a:shade val="15000"/>
-            </a:schemeClr>
-          </a:lnRef>
-          <a:fillRef idx="1">
-            <a:schemeClr val="accent1"/>
-          </a:fillRef>
-          <a:effectRef idx="0">
-            <a:schemeClr val="accent1"/>
-          </a:effectRef>
-          <a:fontRef idx="minor">
-            <a:schemeClr val="lt1"/>
-          </a:fontRef>
-        </p:style>
-        <p:txBody>
-          <a:bodyPr rtlCol="0" anchor="ctr"/>
-          <a:lstStyle/>
-          <a:p>
-            <a:pPr algn="ctr"/>
-            <a:r>
-              <a:rPr lang="ko-KR" altLang="en-US" sz="1200" dirty="0"/>
-              <a:t>저장된 회차 시작</a:t>
+              <a:t>회차 시작</a:t>
             </a:r>
           </a:p>
         </p:txBody>
@@ -8396,7 +9592,7 @@
         </p:nvCxnSpPr>
         <p:spPr>
           <a:xfrm>
-            <a:off x="6096001" y="4962890"/>
+            <a:off x="6096001" y="4662950"/>
             <a:ext cx="0" cy="367094"/>
           </a:xfrm>
           <a:prstGeom prst="straightConnector1">
@@ -8421,55 +9617,12 @@
           </a:fontRef>
         </p:style>
       </p:cxnSp>
-      <p:cxnSp>
-        <p:nvCxnSpPr>
-          <p:cNvPr id="50" name="직선 화살표 연결선 49">
-            <a:extLst>
-              <a:ext uri="{FF2B5EF4-FFF2-40B4-BE49-F238E27FC236}">
-                <a16:creationId xmlns:a16="http://schemas.microsoft.com/office/drawing/2014/main" id="{9ADCE7BD-9316-4D2C-5781-F691E035358B}"/>
-              </a:ext>
-            </a:extLst>
-          </p:cNvPr>
-          <p:cNvCxnSpPr>
-            <a:cxnSpLocks/>
-            <a:stCxn id="28" idx="3"/>
-            <a:endCxn id="52" idx="1"/>
-          </p:cNvCxnSpPr>
-          <p:nvPr/>
-        </p:nvCxnSpPr>
-        <p:spPr>
-          <a:xfrm>
-            <a:off x="8714943" y="3450012"/>
-            <a:ext cx="473144" cy="0"/>
-          </a:xfrm>
-          <a:prstGeom prst="straightConnector1">
-            <a:avLst/>
-          </a:prstGeom>
-          <a:ln>
-            <a:tailEnd type="triangle"/>
-          </a:ln>
-        </p:spPr>
-        <p:style>
-          <a:lnRef idx="2">
-            <a:schemeClr val="accent1"/>
-          </a:lnRef>
-          <a:fillRef idx="0">
-            <a:schemeClr val="accent1"/>
-          </a:fillRef>
-          <a:effectRef idx="1">
-            <a:schemeClr val="accent1"/>
-          </a:effectRef>
-          <a:fontRef idx="minor">
-            <a:schemeClr val="tx1"/>
-          </a:fontRef>
-        </p:style>
-      </p:cxnSp>
-      <p:sp>
-        <p:nvSpPr>
-          <p:cNvPr id="52" name="직사각형 51">
-            <a:extLst>
-              <a:ext uri="{FF2B5EF4-FFF2-40B4-BE49-F238E27FC236}">
-                <a16:creationId xmlns:a16="http://schemas.microsoft.com/office/drawing/2014/main" id="{1C148B7F-B88C-7427-88A4-6527B4143EEF}"/>
+      <p:sp>
+        <p:nvSpPr>
+          <p:cNvPr id="15" name="직사각형 14">
+            <a:extLst>
+              <a:ext uri="{FF2B5EF4-FFF2-40B4-BE49-F238E27FC236}">
+                <a16:creationId xmlns:a16="http://schemas.microsoft.com/office/drawing/2014/main" id="{B154C77A-49A8-4D48-E95A-B32960FF3A5C}"/>
               </a:ext>
             </a:extLst>
           </p:cNvPr>
@@ -8478,7 +9631,7 @@
         </p:nvSpPr>
         <p:spPr>
           <a:xfrm>
-            <a:off x="9188087" y="3118074"/>
+            <a:off x="5413182" y="3001681"/>
             <a:ext cx="1365635" cy="663876"/>
           </a:xfrm>
           <a:prstGeom prst="rect">
@@ -8507,12 +9660,8 @@
           <a:p>
             <a:pPr algn="ctr"/>
             <a:r>
-              <a:rPr lang="en-US" altLang="ko-KR" sz="1200" dirty="0"/>
-              <a:t>0</a:t>
-            </a:r>
-            <a:r>
               <a:rPr lang="ko-KR" altLang="en-US" sz="1200" dirty="0"/>
-              <a:t>회차 시작</a:t>
+              <a:t>캐릭터 선택</a:t>
             </a:r>
           </a:p>
         </p:txBody>
@@ -8530,7 +9679,7 @@
 </p:sld>
 </file>
 
-<file path=ppt/slides/slide7.xml><?xml version="1.0" encoding="utf-8"?>
+<file path=ppt/slides/slide8.xml><?xml version="1.0" encoding="utf-8"?>
 <p:sld xmlns:a="http://schemas.openxmlformats.org/drawingml/2006/main" xmlns:r="http://schemas.openxmlformats.org/officeDocument/2006/relationships" xmlns:p="http://schemas.openxmlformats.org/presentationml/2006/main">
   <p:cSld>
     <p:spTree>
@@ -9133,7 +10282,22 @@
             <a:pPr algn="ctr"/>
             <a:r>
               <a:rPr lang="ko-KR" altLang="en-US" sz="1200" dirty="0"/>
-              <a:t>경험치 획득</a:t>
+              <a:t>경험치</a:t>
+            </a:r>
+            <a:r>
+              <a:rPr lang="en-US" altLang="ko-KR" sz="1200" dirty="0"/>
+              <a:t>, </a:t>
+            </a:r>
+            <a:r>
+              <a:rPr lang="ko-KR" altLang="en-US" sz="1200" dirty="0"/>
+              <a:t>재화</a:t>
+            </a:r>
+            <a:br>
+              <a:rPr lang="en-US" altLang="ko-KR" sz="1200" dirty="0"/>
+            </a:br>
+            <a:r>
+              <a:rPr lang="ko-KR" altLang="en-US" sz="1200" dirty="0"/>
+              <a:t>획득</a:t>
             </a:r>
           </a:p>
         </p:txBody>
@@ -9234,15 +10398,16 @@
             </a:extLst>
           </p:cNvPr>
           <p:cNvCxnSpPr>
-            <a:stCxn id="12" idx="3"/>
+            <a:cxnSpLocks/>
+            <a:stCxn id="5" idx="3"/>
             <a:endCxn id="13" idx="1"/>
           </p:cNvCxnSpPr>
           <p:nvPr/>
         </p:nvCxnSpPr>
         <p:spPr>
           <a:xfrm>
-            <a:off x="1648996" y="1327426"/>
-            <a:ext cx="545051" cy="1244635"/>
+            <a:off x="1646771" y="2572061"/>
+            <a:ext cx="547276" cy="12700"/>
           </a:xfrm>
           <a:prstGeom prst="bentConnector3">
             <a:avLst/>
@@ -10934,15 +12099,15 @@
           </p:cNvPr>
           <p:cNvCxnSpPr>
             <a:cxnSpLocks/>
-            <a:stCxn id="12" idx="3"/>
+            <a:stCxn id="5" idx="3"/>
             <a:endCxn id="141" idx="1"/>
           </p:cNvCxnSpPr>
           <p:nvPr/>
         </p:nvCxnSpPr>
         <p:spPr>
           <a:xfrm>
-            <a:off x="1648996" y="1327426"/>
-            <a:ext cx="540602" cy="2657957"/>
+            <a:off x="1646771" y="2572061"/>
+            <a:ext cx="542827" cy="1413322"/>
           </a:xfrm>
           <a:prstGeom prst="bentConnector3">
             <a:avLst>
@@ -10979,20 +12144,120 @@
           </p:cNvPr>
           <p:cNvCxnSpPr>
             <a:cxnSpLocks/>
-            <a:stCxn id="12" idx="3"/>
+            <a:stCxn id="5" idx="3"/>
             <a:endCxn id="146" idx="1"/>
           </p:cNvCxnSpPr>
           <p:nvPr/>
         </p:nvCxnSpPr>
         <p:spPr>
           <a:xfrm>
-            <a:off x="1648996" y="1327426"/>
-            <a:ext cx="540602" cy="3777681"/>
+            <a:off x="1646771" y="2572061"/>
+            <a:ext cx="542827" cy="2533046"/>
           </a:xfrm>
           <a:prstGeom prst="bentConnector3">
             <a:avLst>
               <a:gd name="adj1" fmla="val 50000"/>
             </a:avLst>
+          </a:prstGeom>
+          <a:ln>
+            <a:tailEnd type="triangle"/>
+          </a:ln>
+        </p:spPr>
+        <p:style>
+          <a:lnRef idx="2">
+            <a:schemeClr val="accent1"/>
+          </a:lnRef>
+          <a:fillRef idx="0">
+            <a:schemeClr val="accent1"/>
+          </a:fillRef>
+          <a:effectRef idx="1">
+            <a:schemeClr val="accent1"/>
+          </a:effectRef>
+          <a:fontRef idx="minor">
+            <a:schemeClr val="tx1"/>
+          </a:fontRef>
+        </p:style>
+      </p:cxnSp>
+      <p:sp>
+        <p:nvSpPr>
+          <p:cNvPr id="5" name="직사각형 4">
+            <a:extLst>
+              <a:ext uri="{FF2B5EF4-FFF2-40B4-BE49-F238E27FC236}">
+                <a16:creationId xmlns:a16="http://schemas.microsoft.com/office/drawing/2014/main" id="{A4311D17-BF9D-4340-6324-FF2530D6F4AE}"/>
+              </a:ext>
+            </a:extLst>
+          </p:cNvPr>
+          <p:cNvSpPr/>
+          <p:nvPr/>
+        </p:nvSpPr>
+        <p:spPr>
+          <a:xfrm>
+            <a:off x="281136" y="2240123"/>
+            <a:ext cx="1365635" cy="663876"/>
+          </a:xfrm>
+          <a:prstGeom prst="rect">
+            <a:avLst/>
+          </a:prstGeom>
+        </p:spPr>
+        <p:style>
+          <a:lnRef idx="2">
+            <a:schemeClr val="accent1">
+              <a:shade val="15000"/>
+            </a:schemeClr>
+          </a:lnRef>
+          <a:fillRef idx="1">
+            <a:schemeClr val="accent1"/>
+          </a:fillRef>
+          <a:effectRef idx="0">
+            <a:schemeClr val="accent1"/>
+          </a:effectRef>
+          <a:fontRef idx="minor">
+            <a:schemeClr val="lt1"/>
+          </a:fontRef>
+        </p:style>
+        <p:txBody>
+          <a:bodyPr rtlCol="0" anchor="ctr"/>
+          <a:lstStyle/>
+          <a:p>
+            <a:pPr algn="ctr"/>
+            <a:r>
+              <a:rPr lang="ko-KR" altLang="en-US" sz="1200" dirty="0"/>
+              <a:t>레벨 </a:t>
+            </a:r>
+            <a:r>
+              <a:rPr lang="en-US" altLang="ko-KR" sz="1200" dirty="0"/>
+              <a:t>1 </a:t>
+            </a:r>
+            <a:r>
+              <a:rPr lang="ko-KR" altLang="en-US" sz="1200" dirty="0"/>
+              <a:t>부여</a:t>
+            </a:r>
+          </a:p>
+        </p:txBody>
+      </p:sp>
+      <p:cxnSp>
+        <p:nvCxnSpPr>
+          <p:cNvPr id="10" name="직선 화살표 연결선 9">
+            <a:extLst>
+              <a:ext uri="{FF2B5EF4-FFF2-40B4-BE49-F238E27FC236}">
+                <a16:creationId xmlns:a16="http://schemas.microsoft.com/office/drawing/2014/main" id="{1BBB2749-E3E9-2159-9C91-03A066A3BB9E}"/>
+              </a:ext>
+            </a:extLst>
+          </p:cNvPr>
+          <p:cNvCxnSpPr>
+            <a:cxnSpLocks/>
+            <a:stCxn id="12" idx="2"/>
+            <a:endCxn id="5" idx="0"/>
+          </p:cNvCxnSpPr>
+          <p:nvPr/>
+        </p:nvCxnSpPr>
+        <p:spPr>
+          <a:xfrm flipH="1">
+            <a:off x="963954" y="1659364"/>
+            <a:ext cx="2225" cy="580759"/>
+          </a:xfrm>
+          <a:prstGeom prst="straightConnector1">
+            <a:avLst/>
           </a:prstGeom>
           <a:ln>
             <a:tailEnd type="triangle"/>
@@ -11026,7 +12291,7 @@
 </p:sld>
 </file>
 
-<file path=ppt/slides/slide8.xml><?xml version="1.0" encoding="utf-8"?>
+<file path=ppt/slides/slide9.xml><?xml version="1.0" encoding="utf-8"?>
 <p:sld xmlns:a="http://schemas.openxmlformats.org/drawingml/2006/main" xmlns:r="http://schemas.openxmlformats.org/officeDocument/2006/relationships" xmlns:p="http://schemas.openxmlformats.org/presentationml/2006/main">
   <p:cSld>
     <p:spTree>
@@ -11143,8 +12408,8 @@
         </p:nvSpPr>
         <p:spPr>
           <a:xfrm>
-            <a:off x="0" y="6224831"/>
-            <a:ext cx="3884642" cy="633169"/>
+            <a:off x="0" y="6615320"/>
+            <a:ext cx="3884642" cy="221898"/>
           </a:xfrm>
           <a:prstGeom prst="rect">
             <a:avLst/>
@@ -11174,84 +12439,6 @@
           <a:bodyPr rtlCol="0" anchor="ctr"/>
           <a:lstStyle/>
           <a:p>
-            <a:r>
-              <a:rPr lang="en-US" altLang="ko-KR" sz="1200" dirty="0">
-                <a:solidFill>
-                  <a:sysClr val="windowText" lastClr="000000"/>
-                </a:solidFill>
-              </a:rPr>
-              <a:t>* </a:t>
-            </a:r>
-            <a:r>
-              <a:rPr lang="ko-KR" altLang="en-US" sz="1200" dirty="0">
-                <a:solidFill>
-                  <a:sysClr val="windowText" lastClr="000000"/>
-                </a:solidFill>
-              </a:rPr>
-              <a:t>특성 및 증강 선택의 경우 무작위로 </a:t>
-            </a:r>
-            <a:r>
-              <a:rPr lang="en-US" altLang="ko-KR" sz="1200" dirty="0">
-                <a:solidFill>
-                  <a:sysClr val="windowText" lastClr="000000"/>
-                </a:solidFill>
-              </a:rPr>
-              <a:t>3</a:t>
-            </a:r>
-            <a:r>
-              <a:rPr lang="ko-KR" altLang="en-US" sz="1200" dirty="0">
-                <a:solidFill>
-                  <a:sysClr val="windowText" lastClr="000000"/>
-                </a:solidFill>
-              </a:rPr>
-              <a:t>가지가 등장</a:t>
-            </a:r>
-            <a:br>
-              <a:rPr lang="en-US" altLang="ko-KR" sz="1200" dirty="0">
-                <a:solidFill>
-                  <a:sysClr val="windowText" lastClr="000000"/>
-                </a:solidFill>
-              </a:rPr>
-            </a:br>
-            <a:r>
-              <a:rPr lang="en-US" altLang="ko-KR" sz="1200" dirty="0">
-                <a:solidFill>
-                  <a:sysClr val="windowText" lastClr="000000"/>
-                </a:solidFill>
-              </a:rPr>
-              <a:t>* </a:t>
-            </a:r>
-            <a:r>
-              <a:rPr lang="ko-KR" altLang="en-US" sz="1200" dirty="0">
-                <a:solidFill>
-                  <a:sysClr val="windowText" lastClr="000000"/>
-                </a:solidFill>
-              </a:rPr>
-              <a:t>그중 </a:t>
-            </a:r>
-            <a:r>
-              <a:rPr lang="en-US" altLang="ko-KR" sz="1200" dirty="0">
-                <a:solidFill>
-                  <a:sysClr val="windowText" lastClr="000000"/>
-                </a:solidFill>
-              </a:rPr>
-              <a:t>1</a:t>
-            </a:r>
-            <a:r>
-              <a:rPr lang="ko-KR" altLang="en-US" sz="1200" dirty="0">
-                <a:solidFill>
-                  <a:sysClr val="windowText" lastClr="000000"/>
-                </a:solidFill>
-              </a:rPr>
-              <a:t>개 선택</a:t>
-            </a:r>
-            <a:br>
-              <a:rPr lang="en-US" altLang="ko-KR" sz="1200" dirty="0">
-                <a:solidFill>
-                  <a:sysClr val="windowText" lastClr="000000"/>
-                </a:solidFill>
-              </a:rPr>
-            </a:br>
             <a:r>
               <a:rPr lang="en-US" altLang="ko-KR" sz="1200" dirty="0">
                 <a:solidFill>
